--- a/Capstone.pptx
+++ b/Capstone.pptx
@@ -3819,8 +3819,8 @@
         </p:nvSpPr>
         <p:spPr>
           <a:xfrm>
-            <a:off x="1422399" y="3226361"/>
-            <a:ext cx="10324123" cy="4252961"/>
+            <a:off x="691663" y="3226361"/>
+            <a:ext cx="11054860" cy="5064286"/>
           </a:xfrm>
           <a:prstGeom prst="rect">
             <a:avLst/>
@@ -3879,6 +3879,92 @@
               <a:rPr lang="en-US" sz="2000" dirty="0"/>
               <a:t>Hard. </a:t>
             </a:r>
+          </a:p>
+          <a:p>
+            <a:pPr marL="0" indent="0">
+              <a:buNone/>
+            </a:pPr>
+            <a:endParaRPr lang="en-US" sz="2000" dirty="0"/>
+          </a:p>
+          <a:p>
+            <a:pPr marL="0" indent="0">
+              <a:buNone/>
+            </a:pPr>
+            <a:endParaRPr lang="en-US" sz="1800" dirty="0"/>
+          </a:p>
+          <a:p>
+            <a:pPr marL="0" indent="0">
+              <a:buNone/>
+            </a:pPr>
+            <a:r>
+              <a:rPr lang="en-US" sz="1800" dirty="0"/>
+              <a:t>** </a:t>
+            </a:r>
+            <a:r>
+              <a:rPr lang="en-US" sz="1600" i="0" dirty="0"/>
+              <a:t>Since it's a Neural Network being</a:t>
+            </a:r>
+          </a:p>
+          <a:p>
+            <a:pPr marL="0" indent="0">
+              <a:buNone/>
+            </a:pPr>
+            <a:r>
+              <a:rPr lang="en-US" sz="1600" i="0" dirty="0"/>
+              <a:t>used for Binary Classification the </a:t>
+            </a:r>
+          </a:p>
+          <a:p>
+            <a:pPr marL="0" indent="0">
+              <a:buNone/>
+            </a:pPr>
+            <a:r>
+              <a:rPr lang="en-US" sz="1600" i="0" dirty="0"/>
+              <a:t>size of data required for training is </a:t>
+            </a:r>
+          </a:p>
+          <a:p>
+            <a:pPr marL="0" indent="0">
+              <a:buNone/>
+            </a:pPr>
+            <a:r>
+              <a:rPr lang="en-US" sz="1600" i="0" dirty="0"/>
+              <a:t>around ~40,000 data points (or data</a:t>
+            </a:r>
+          </a:p>
+          <a:p>
+            <a:pPr marL="0" indent="0">
+              <a:buNone/>
+            </a:pPr>
+            <a:r>
+              <a:rPr lang="en-US" sz="1600" i="0" dirty="0"/>
+              <a:t> of ~40,000 doctors/prescribers) </a:t>
+            </a:r>
+          </a:p>
+          <a:p>
+            <a:pPr marL="0" indent="0">
+              <a:buNone/>
+            </a:pPr>
+            <a:r>
+              <a:rPr lang="en-US" sz="1600" i="0" dirty="0"/>
+              <a:t>with similar features to create a </a:t>
+            </a:r>
+          </a:p>
+          <a:p>
+            <a:pPr marL="0" indent="0">
+              <a:buNone/>
+            </a:pPr>
+            <a:r>
+              <a:rPr lang="en-US" sz="1600" i="0" dirty="0"/>
+              <a:t>robust generalized model</a:t>
+            </a:r>
+            <a:endParaRPr lang="en-US" sz="1600" dirty="0"/>
+          </a:p>
+          <a:p>
+            <a:pPr marL="0" indent="0">
+              <a:buNone/>
+            </a:pPr>
+            <a:endParaRPr lang="en-US" sz="2000" dirty="0"/>
           </a:p>
         </p:txBody>
       </p:sp>
@@ -4390,6 +4476,20 @@
             <a:pPr marL="0" indent="0">
               <a:buNone/>
             </a:pPr>
+            <a:endParaRPr lang="en-US" sz="2000" dirty="0"/>
+          </a:p>
+          <a:p>
+            <a:pPr marL="0" indent="0">
+              <a:buNone/>
+            </a:pPr>
+            <a:r>
+              <a:rPr lang="en-US" sz="2000" dirty="0"/>
+              <a:t>** </a:t>
+            </a:r>
+            <a:r>
+              <a:rPr lang="en-US" sz="2000" i="0" dirty="0"/>
+              <a:t>Since it's a Neural Network being used for Binary Classification the size of data required for training is around ~40,000 data points (or data of ~40,000 doctors/prescribers) with similar features to create a robust generalized model</a:t>
+            </a:r>
             <a:endParaRPr lang="en-US" sz="2000" dirty="0"/>
           </a:p>
         </p:txBody>

--- a/Capstone.pptx
+++ b/Capstone.pptx
@@ -20,13 +20,13 @@
     <p:sldId id="294" r:id="rId11"/>
     <p:sldId id="295" r:id="rId12"/>
     <p:sldId id="296" r:id="rId13"/>
-    <p:sldId id="297" r:id="rId14"/>
-    <p:sldId id="298" r:id="rId15"/>
-    <p:sldId id="299" r:id="rId16"/>
-    <p:sldId id="300" r:id="rId17"/>
-    <p:sldId id="302" r:id="rId18"/>
-    <p:sldId id="301" r:id="rId19"/>
-    <p:sldId id="303" r:id="rId20"/>
+    <p:sldId id="298" r:id="rId14"/>
+    <p:sldId id="299" r:id="rId15"/>
+    <p:sldId id="300" r:id="rId16"/>
+    <p:sldId id="302" r:id="rId17"/>
+    <p:sldId id="301" r:id="rId18"/>
+    <p:sldId id="303" r:id="rId19"/>
+    <p:sldId id="306" r:id="rId20"/>
     <p:sldId id="304" r:id="rId21"/>
     <p:sldId id="305" r:id="rId22"/>
   </p:sldIdLst>
@@ -2516,6 +2516,10 @@
             <a:br>
               <a:rPr lang="en-US" dirty="0"/>
             </a:br>
+            <a:r>
+              <a:rPr lang="en-US" dirty="0"/>
+              <a:t>Data Science Immersive </a:t>
+            </a:r>
             <a:br>
               <a:rPr lang="en-US" dirty="0"/>
             </a:br>
@@ -2544,7 +2548,7 @@
         </p:blipFill>
         <p:spPr>
           <a:xfrm>
-            <a:off x="0" y="7222066"/>
+            <a:off x="370334" y="7222132"/>
             <a:ext cx="13004800" cy="2535768"/>
           </a:xfrm>
           <a:prstGeom prst="rect">
@@ -3147,7 +3151,7 @@
             </a:pPr>
             <a:r>
               <a:rPr lang="en-US" sz="2000" dirty="0"/>
-              <a:t>I actually ran several models, and then evaluated them using the f1 score. </a:t>
+              <a:t>I actually ran several classification models, and then evaluated them using the f1 score. The scores and models I used are as follows: </a:t>
             </a:r>
           </a:p>
         </p:txBody>
@@ -3191,7 +3195,7 @@
     </p:spTree>
     <p:extLst>
       <p:ext uri="{BB962C8B-B14F-4D97-AF65-F5344CB8AC3E}">
-        <p14:creationId xmlns:p14="http://schemas.microsoft.com/office/powerpoint/2010/main" val="3254903600"/>
+        <p14:creationId xmlns:p14="http://schemas.microsoft.com/office/powerpoint/2010/main" val="4100803086"/>
       </p:ext>
     </p:extLst>
   </p:cSld>
@@ -3330,52 +3334,96 @@
           <a:bodyPr/>
           <a:lstStyle/>
           <a:p>
-            <a:pPr marL="0" indent="0">
+            <a:pPr marL="0" indent="0" algn="ctr">
               <a:buNone/>
             </a:pPr>
-            <a:endParaRPr lang="en-US" dirty="0"/>
-          </a:p>
-          <a:p>
-            <a:pPr marL="0" indent="0">
+            <a:r>
+              <a:rPr lang="en-US" sz="2000" dirty="0"/>
+              <a:t>Logistic Regression: 91%</a:t>
+            </a:r>
+          </a:p>
+          <a:p>
+            <a:pPr marL="0" indent="0" algn="ctr">
               <a:buNone/>
             </a:pPr>
+            <a:endParaRPr lang="en-US" sz="2000" dirty="0"/>
+          </a:p>
+          <a:p>
+            <a:pPr marL="0" indent="0" algn="ctr">
+              <a:buNone/>
+            </a:pPr>
+            <a:endParaRPr lang="en-US" sz="2000" dirty="0"/>
+          </a:p>
+          <a:p>
+            <a:pPr marL="0" indent="0" algn="ctr">
+              <a:buNone/>
+            </a:pPr>
             <a:r>
               <a:rPr lang="en-US" sz="2000" dirty="0"/>
-              <a:t>Since I was predicting the likelihood of a provider to prescribe opioids to a patient, my target was: </a:t>
-            </a:r>
-          </a:p>
-          <a:p>
-            <a:pPr marL="0" indent="0">
+              <a:t>KNN: 86%</a:t>
+            </a:r>
+          </a:p>
+          <a:p>
+            <a:pPr marL="0" indent="0" algn="ctr">
               <a:buNone/>
             </a:pPr>
             <a:endParaRPr lang="en-US" sz="2000" dirty="0"/>
           </a:p>
           <a:p>
-            <a:pPr marL="0" indent="0">
+            <a:pPr marL="0" indent="0" algn="ctr">
               <a:buNone/>
             </a:pPr>
+            <a:endParaRPr lang="en-US" sz="2000" dirty="0"/>
+          </a:p>
+          <a:p>
+            <a:pPr marL="0" indent="0" algn="ctr">
+              <a:buNone/>
+            </a:pPr>
             <a:r>
               <a:rPr lang="en-US" sz="2000" dirty="0"/>
-              <a:t>“ </a:t>
-            </a:r>
-            <a:r>
-              <a:rPr lang="en-US" sz="2000" i="0" dirty="0"/>
-              <a:t>Opioid.Prescriber - a boolean label indicating whether or not that individual prescribed opiate drugs more than 10 times in the year.” </a:t>
-            </a:r>
-          </a:p>
-          <a:p>
-            <a:pPr marL="0" indent="0">
+              <a:t>Decision Trees: 89%</a:t>
+            </a:r>
+          </a:p>
+          <a:p>
+            <a:pPr marL="0" indent="0" algn="ctr">
               <a:buNone/>
             </a:pPr>
-            <a:endParaRPr lang="en-US" sz="2000" i="0" dirty="0"/>
-          </a:p>
-          <a:p>
-            <a:pPr marL="0" indent="0">
+            <a:endParaRPr lang="en-US" sz="2000" dirty="0"/>
+          </a:p>
+          <a:p>
+            <a:pPr marL="0" indent="0" algn="ctr">
               <a:buNone/>
             </a:pPr>
+            <a:endParaRPr lang="en-US" sz="2000" dirty="0"/>
+          </a:p>
+          <a:p>
+            <a:pPr marL="0" indent="0" algn="ctr">
+              <a:buNone/>
+            </a:pPr>
             <a:r>
               <a:rPr lang="en-US" sz="2000" dirty="0"/>
-              <a:t>I actually ran several classification models, and then evaluated them using the f1 score. The scores and models I used are as follows: </a:t>
+              <a:t>Bagged Trees: 91%</a:t>
+            </a:r>
+          </a:p>
+          <a:p>
+            <a:pPr marL="0" indent="0" algn="ctr">
+              <a:buNone/>
+            </a:pPr>
+            <a:endParaRPr lang="en-US" sz="2000" dirty="0"/>
+          </a:p>
+          <a:p>
+            <a:pPr marL="0" indent="0" algn="ctr">
+              <a:buNone/>
+            </a:pPr>
+            <a:endParaRPr lang="en-US" sz="2000" dirty="0"/>
+          </a:p>
+          <a:p>
+            <a:pPr marL="0" indent="0" algn="ctr">
+              <a:buNone/>
+            </a:pPr>
+            <a:r>
+              <a:rPr lang="en-US" sz="2000" dirty="0"/>
+              <a:t>Random Forest: 91%</a:t>
             </a:r>
           </a:p>
         </p:txBody>
@@ -3419,7 +3467,7 @@
     </p:spTree>
     <p:extLst>
       <p:ext uri="{BB962C8B-B14F-4D97-AF65-F5344CB8AC3E}">
-        <p14:creationId xmlns:p14="http://schemas.microsoft.com/office/powerpoint/2010/main" val="4100803086"/>
+        <p14:creationId xmlns:p14="http://schemas.microsoft.com/office/powerpoint/2010/main" val="871499168"/>
       </p:ext>
     </p:extLst>
   </p:cSld>
@@ -3547,8 +3595,8 @@
         </p:nvSpPr>
         <p:spPr>
           <a:xfrm>
-            <a:off x="1422399" y="3226361"/>
-            <a:ext cx="10324123" cy="4252961"/>
+            <a:off x="691663" y="3226361"/>
+            <a:ext cx="11054860" cy="5064286"/>
           </a:xfrm>
           <a:prstGeom prst="rect">
             <a:avLst/>
@@ -3558,97 +3606,141 @@
           <a:bodyPr/>
           <a:lstStyle/>
           <a:p>
-            <a:pPr marL="0" indent="0" algn="ctr">
+            <a:pPr marL="0" indent="0">
               <a:buNone/>
             </a:pPr>
             <a:r>
               <a:rPr lang="en-US" sz="2000" dirty="0"/>
-              <a:t>Logistic Regression: 91%</a:t>
-            </a:r>
-          </a:p>
-          <a:p>
-            <a:pPr marL="0" indent="0" algn="ctr">
+              <a:t>The last model I ran was a binary classification neural network</a:t>
+            </a:r>
+          </a:p>
+          <a:p>
+            <a:pPr marL="0" indent="0">
               <a:buNone/>
             </a:pPr>
             <a:endParaRPr lang="en-US" sz="2000" dirty="0"/>
           </a:p>
           <a:p>
-            <a:pPr marL="0" indent="0" algn="ctr">
+            <a:pPr marL="0" indent="0">
               <a:buNone/>
             </a:pPr>
+            <a:r>
+              <a:rPr lang="en-US" sz="2000" dirty="0"/>
+              <a:t>After standardizing and fitting the </a:t>
+            </a:r>
+          </a:p>
+          <a:p>
+            <a:pPr marL="0" indent="0">
+              <a:buNone/>
+            </a:pPr>
+            <a:r>
+              <a:rPr lang="en-US" sz="2000" dirty="0"/>
+              <a:t>Model, I had an accuracy score </a:t>
+            </a:r>
+          </a:p>
+          <a:p>
+            <a:pPr marL="0" indent="0">
+              <a:buNone/>
+            </a:pPr>
+            <a:r>
+              <a:rPr lang="en-US" sz="2000" dirty="0"/>
+              <a:t>of 92%, and a loss of 23%. It was </a:t>
+            </a:r>
+          </a:p>
+          <a:p>
+            <a:pPr marL="0" indent="0">
+              <a:buNone/>
+            </a:pPr>
+            <a:r>
+              <a:rPr lang="en-US" sz="2000" dirty="0"/>
+              <a:t>Hard. </a:t>
+            </a:r>
+          </a:p>
+          <a:p>
+            <a:pPr marL="0" indent="0">
+              <a:buNone/>
+            </a:pPr>
             <a:endParaRPr lang="en-US" sz="2000" dirty="0"/>
           </a:p>
           <a:p>
-            <a:pPr marL="0" indent="0" algn="ctr">
+            <a:pPr marL="0" indent="0">
               <a:buNone/>
             </a:pPr>
-            <a:r>
-              <a:rPr lang="en-US" sz="2000" dirty="0"/>
-              <a:t>KNN: 86%</a:t>
-            </a:r>
-          </a:p>
-          <a:p>
-            <a:pPr marL="0" indent="0" algn="ctr">
+            <a:endParaRPr lang="en-US" sz="1800" dirty="0"/>
+          </a:p>
+          <a:p>
+            <a:pPr marL="0" indent="0">
               <a:buNone/>
             </a:pPr>
+            <a:r>
+              <a:rPr lang="en-US" sz="1800" dirty="0"/>
+              <a:t>** </a:t>
+            </a:r>
+            <a:r>
+              <a:rPr lang="en-US" sz="1600" i="0" dirty="0"/>
+              <a:t>Since it's a Neural Network being</a:t>
+            </a:r>
+          </a:p>
+          <a:p>
+            <a:pPr marL="0" indent="0">
+              <a:buNone/>
+            </a:pPr>
+            <a:r>
+              <a:rPr lang="en-US" sz="1600" i="0" dirty="0"/>
+              <a:t>used for Binary Classification the </a:t>
+            </a:r>
+          </a:p>
+          <a:p>
+            <a:pPr marL="0" indent="0">
+              <a:buNone/>
+            </a:pPr>
+            <a:r>
+              <a:rPr lang="en-US" sz="1600" i="0" dirty="0"/>
+              <a:t>size of data required for training is </a:t>
+            </a:r>
+          </a:p>
+          <a:p>
+            <a:pPr marL="0" indent="0">
+              <a:buNone/>
+            </a:pPr>
+            <a:r>
+              <a:rPr lang="en-US" sz="1600" i="0" dirty="0"/>
+              <a:t>around  40,000 data points (or data</a:t>
+            </a:r>
+          </a:p>
+          <a:p>
+            <a:pPr marL="0" indent="0">
+              <a:buNone/>
+            </a:pPr>
+            <a:r>
+              <a:rPr lang="en-US" sz="1600" i="0" dirty="0"/>
+              <a:t>of  around 40,000 doctors/prescribers) </a:t>
+            </a:r>
+          </a:p>
+          <a:p>
+            <a:pPr marL="0" indent="0">
+              <a:buNone/>
+            </a:pPr>
+            <a:r>
+              <a:rPr lang="en-US" sz="1600" i="0" dirty="0"/>
+              <a:t>with similar features to create a </a:t>
+            </a:r>
+          </a:p>
+          <a:p>
+            <a:pPr marL="0" indent="0">
+              <a:buNone/>
+            </a:pPr>
+            <a:r>
+              <a:rPr lang="en-US" sz="1600" i="0" dirty="0"/>
+              <a:t>generalized model</a:t>
+            </a:r>
+            <a:endParaRPr lang="en-US" sz="1600" dirty="0"/>
+          </a:p>
+          <a:p>
+            <a:pPr marL="0" indent="0">
+              <a:buNone/>
+            </a:pPr>
             <a:endParaRPr lang="en-US" sz="2000" dirty="0"/>
-          </a:p>
-          <a:p>
-            <a:pPr marL="0" indent="0" algn="ctr">
-              <a:buNone/>
-            </a:pPr>
-            <a:endParaRPr lang="en-US" sz="2000" dirty="0"/>
-          </a:p>
-          <a:p>
-            <a:pPr marL="0" indent="0" algn="ctr">
-              <a:buNone/>
-            </a:pPr>
-            <a:r>
-              <a:rPr lang="en-US" sz="2000" dirty="0"/>
-              <a:t>Decision Trees: 89%</a:t>
-            </a:r>
-          </a:p>
-          <a:p>
-            <a:pPr marL="0" indent="0" algn="ctr">
-              <a:buNone/>
-            </a:pPr>
-            <a:endParaRPr lang="en-US" sz="2000" dirty="0"/>
-          </a:p>
-          <a:p>
-            <a:pPr marL="0" indent="0" algn="ctr">
-              <a:buNone/>
-            </a:pPr>
-            <a:endParaRPr lang="en-US" sz="2000" dirty="0"/>
-          </a:p>
-          <a:p>
-            <a:pPr marL="0" indent="0" algn="ctr">
-              <a:buNone/>
-            </a:pPr>
-            <a:r>
-              <a:rPr lang="en-US" sz="2000" dirty="0"/>
-              <a:t>Bagged Trees: 91%</a:t>
-            </a:r>
-          </a:p>
-          <a:p>
-            <a:pPr marL="0" indent="0" algn="ctr">
-              <a:buNone/>
-            </a:pPr>
-            <a:endParaRPr lang="en-US" sz="2000" dirty="0"/>
-          </a:p>
-          <a:p>
-            <a:pPr marL="0" indent="0" algn="ctr">
-              <a:buNone/>
-            </a:pPr>
-            <a:endParaRPr lang="en-US" sz="2000" dirty="0"/>
-          </a:p>
-          <a:p>
-            <a:pPr marL="0" indent="0" algn="ctr">
-              <a:buNone/>
-            </a:pPr>
-            <a:r>
-              <a:rPr lang="en-US" sz="2000" dirty="0"/>
-              <a:t>Random Forest: 91%</a:t>
-            </a:r>
           </a:p>
         </p:txBody>
       </p:sp>
@@ -3688,10 +3780,46 @@
           </a:p>
         </p:txBody>
       </p:sp>
+      <p:pic>
+        <p:nvPicPr>
+          <p:cNvPr id="5" name="Picture 4">
+            <a:extLst>
+              <a:ext uri="{FF2B5EF4-FFF2-40B4-BE49-F238E27FC236}">
+                <a16:creationId xmlns:a16="http://schemas.microsoft.com/office/drawing/2014/main" id="{0258BA9D-4123-F94B-8546-70AAA704C459}"/>
+              </a:ext>
+            </a:extLst>
+          </p:cNvPr>
+          <p:cNvPicPr>
+            <a:picLocks noChangeAspect="1"/>
+          </p:cNvPicPr>
+          <p:nvPr/>
+        </p:nvPicPr>
+        <p:blipFill>
+          <a:blip r:embed="rId2">
+            <a:extLst>
+              <a:ext uri="{28A0092B-C50C-407E-A947-70E740481C1C}">
+                <a14:useLocalDpi xmlns:a14="http://schemas.microsoft.com/office/drawing/2010/main" val="0"/>
+              </a:ext>
+            </a:extLst>
+          </a:blip>
+          <a:stretch>
+            <a:fillRect/>
+          </a:stretch>
+        </p:blipFill>
+        <p:spPr>
+          <a:xfrm>
+            <a:off x="5531080" y="3498460"/>
+            <a:ext cx="6587650" cy="5114681"/>
+          </a:xfrm>
+          <a:prstGeom prst="rect">
+            <a:avLst/>
+          </a:prstGeom>
+        </p:spPr>
+      </p:pic>
     </p:spTree>
     <p:extLst>
       <p:ext uri="{BB962C8B-B14F-4D97-AF65-F5344CB8AC3E}">
-        <p14:creationId xmlns:p14="http://schemas.microsoft.com/office/powerpoint/2010/main" val="871499168"/>
+        <p14:creationId xmlns:p14="http://schemas.microsoft.com/office/powerpoint/2010/main" val="2240907250"/>
       </p:ext>
     </p:extLst>
   </p:cSld>
@@ -3819,8 +3947,8 @@
         </p:nvSpPr>
         <p:spPr>
           <a:xfrm>
-            <a:off x="691663" y="3226361"/>
-            <a:ext cx="11054860" cy="5064286"/>
+            <a:off x="1422399" y="3226361"/>
+            <a:ext cx="10324123" cy="4252961"/>
           </a:xfrm>
           <a:prstGeom prst="rect">
             <a:avLst/>
@@ -3835,14 +3963,17 @@
             </a:pPr>
             <a:r>
               <a:rPr lang="en-US" sz="2000" dirty="0"/>
-              <a:t>The last model I ran was a binary classification neural network</a:t>
+              <a:t>Here is a plot of the model</a:t>
             </a:r>
           </a:p>
           <a:p>
             <a:pPr marL="0" indent="0">
               <a:buNone/>
             </a:pPr>
-            <a:endParaRPr lang="en-US" sz="2000" dirty="0"/>
+            <a:r>
+              <a:rPr lang="en-US" sz="2000" dirty="0"/>
+              <a:t>Accuracy vs model loss </a:t>
+            </a:r>
           </a:p>
           <a:p>
             <a:pPr marL="0" indent="0">
@@ -3850,120 +3981,11 @@
             </a:pPr>
             <a:r>
               <a:rPr lang="en-US" sz="2000" dirty="0"/>
-              <a:t>After standardizing and fitting the </a:t>
-            </a:r>
-          </a:p>
-          <a:p>
-            <a:pPr marL="0" indent="0">
-              <a:buNone/>
-            </a:pPr>
-            <a:r>
+              <a:t>With the train/test data. </a:t>
+            </a:r>
+            <a:br>
               <a:rPr lang="en-US" sz="2000" dirty="0"/>
-              <a:t>Model, I had an accuracy score </a:t>
-            </a:r>
-          </a:p>
-          <a:p>
-            <a:pPr marL="0" indent="0">
-              <a:buNone/>
-            </a:pPr>
-            <a:r>
-              <a:rPr lang="en-US" sz="2000" dirty="0"/>
-              <a:t>of 92%, and a loss of 23%. It was </a:t>
-            </a:r>
-          </a:p>
-          <a:p>
-            <a:pPr marL="0" indent="0">
-              <a:buNone/>
-            </a:pPr>
-            <a:r>
-              <a:rPr lang="en-US" sz="2000" dirty="0"/>
-              <a:t>Hard. </a:t>
-            </a:r>
-          </a:p>
-          <a:p>
-            <a:pPr marL="0" indent="0">
-              <a:buNone/>
-            </a:pPr>
-            <a:endParaRPr lang="en-US" sz="2000" dirty="0"/>
-          </a:p>
-          <a:p>
-            <a:pPr marL="0" indent="0">
-              <a:buNone/>
-            </a:pPr>
-            <a:endParaRPr lang="en-US" sz="1800" dirty="0"/>
-          </a:p>
-          <a:p>
-            <a:pPr marL="0" indent="0">
-              <a:buNone/>
-            </a:pPr>
-            <a:r>
-              <a:rPr lang="en-US" sz="1800" dirty="0"/>
-              <a:t>** </a:t>
-            </a:r>
-            <a:r>
-              <a:rPr lang="en-US" sz="1600" i="0" dirty="0"/>
-              <a:t>Since it's a Neural Network being</a:t>
-            </a:r>
-          </a:p>
-          <a:p>
-            <a:pPr marL="0" indent="0">
-              <a:buNone/>
-            </a:pPr>
-            <a:r>
-              <a:rPr lang="en-US" sz="1600" i="0" dirty="0"/>
-              <a:t>used for Binary Classification the </a:t>
-            </a:r>
-          </a:p>
-          <a:p>
-            <a:pPr marL="0" indent="0">
-              <a:buNone/>
-            </a:pPr>
-            <a:r>
-              <a:rPr lang="en-US" sz="1600" i="0" dirty="0"/>
-              <a:t>size of data required for training is </a:t>
-            </a:r>
-          </a:p>
-          <a:p>
-            <a:pPr marL="0" indent="0">
-              <a:buNone/>
-            </a:pPr>
-            <a:r>
-              <a:rPr lang="en-US" sz="1600" i="0" dirty="0"/>
-              <a:t>around ~40,000 data points (or data</a:t>
-            </a:r>
-          </a:p>
-          <a:p>
-            <a:pPr marL="0" indent="0">
-              <a:buNone/>
-            </a:pPr>
-            <a:r>
-              <a:rPr lang="en-US" sz="1600" i="0" dirty="0"/>
-              <a:t> of ~40,000 doctors/prescribers) </a:t>
-            </a:r>
-          </a:p>
-          <a:p>
-            <a:pPr marL="0" indent="0">
-              <a:buNone/>
-            </a:pPr>
-            <a:r>
-              <a:rPr lang="en-US" sz="1600" i="0" dirty="0"/>
-              <a:t>with similar features to create a </a:t>
-            </a:r>
-          </a:p>
-          <a:p>
-            <a:pPr marL="0" indent="0">
-              <a:buNone/>
-            </a:pPr>
-            <a:r>
-              <a:rPr lang="en-US" sz="1600" i="0" dirty="0"/>
-              <a:t>robust generalized model</a:t>
-            </a:r>
-            <a:endParaRPr lang="en-US" sz="1600" dirty="0"/>
-          </a:p>
-          <a:p>
-            <a:pPr marL="0" indent="0">
-              <a:buNone/>
-            </a:pPr>
+            </a:br>
             <a:endParaRPr lang="en-US" sz="2000" dirty="0"/>
           </a:p>
         </p:txBody>
@@ -4006,10 +4028,10 @@
       </p:sp>
       <p:pic>
         <p:nvPicPr>
-          <p:cNvPr id="5" name="Picture 4">
+          <p:cNvPr id="3" name="Picture 2">
             <a:extLst>
               <a:ext uri="{FF2B5EF4-FFF2-40B4-BE49-F238E27FC236}">
-                <a16:creationId xmlns:a16="http://schemas.microsoft.com/office/drawing/2014/main" id="{0258BA9D-4123-F94B-8546-70AAA704C459}"/>
+                <a16:creationId xmlns:a16="http://schemas.microsoft.com/office/drawing/2014/main" id="{17CE0ADE-43CC-BE4C-8279-DD066F4E00D4}"/>
               </a:ext>
             </a:extLst>
           </p:cNvPr>
@@ -4032,8 +4054,8 @@
         </p:blipFill>
         <p:spPr>
           <a:xfrm>
-            <a:off x="5531080" y="3498460"/>
-            <a:ext cx="6587650" cy="5114681"/>
+            <a:off x="5271477" y="2540000"/>
+            <a:ext cx="7010400" cy="6210300"/>
           </a:xfrm>
           <a:prstGeom prst="rect">
             <a:avLst/>
@@ -4043,7 +4065,7 @@
     </p:spTree>
     <p:extLst>
       <p:ext uri="{BB962C8B-B14F-4D97-AF65-F5344CB8AC3E}">
-        <p14:creationId xmlns:p14="http://schemas.microsoft.com/office/powerpoint/2010/main" val="2240907250"/>
+        <p14:creationId xmlns:p14="http://schemas.microsoft.com/office/powerpoint/2010/main" val="2191236196"/>
       </p:ext>
     </p:extLst>
   </p:cSld>
@@ -4153,7 +4175,7 @@
           <a:p>
             <a:r>
               <a:rPr lang="en-US" dirty="0"/>
-              <a:t>MODELING!</a:t>
+              <a:t>What did we learn?</a:t>
             </a:r>
             <a:endParaRPr dirty="0"/>
           </a:p>
@@ -4185,10 +4207,7 @@
             <a:pPr marL="0" indent="0">
               <a:buNone/>
             </a:pPr>
-            <a:r>
-              <a:rPr lang="en-US" sz="2000" dirty="0"/>
-              <a:t>Here is a plot of the model</a:t>
-            </a:r>
+            <a:endParaRPr lang="en-US" dirty="0"/>
           </a:p>
           <a:p>
             <a:pPr marL="0" indent="0">
@@ -4196,7 +4215,7 @@
             </a:pPr>
             <a:r>
               <a:rPr lang="en-US" sz="2000" dirty="0"/>
-              <a:t>Accuracy vs model loss </a:t>
+              <a:t>My big takeaway, was that the accuracy at which these models were running was fairly high. </a:t>
             </a:r>
           </a:p>
           <a:p>
@@ -4205,11 +4224,34 @@
             </a:pPr>
             <a:r>
               <a:rPr lang="en-US" sz="2000" dirty="0"/>
-              <a:t>With the train/test data. </a:t>
-            </a:r>
-            <a:br>
+              <a:t>I would say that is probably because almost all prescribers are prescribing opioids, which is a huge factor into what they opioid epidemic exists in the first place. </a:t>
+            </a:r>
+          </a:p>
+          <a:p>
+            <a:pPr marL="0" indent="0">
+              <a:buNone/>
+            </a:pPr>
+            <a:endParaRPr lang="en-US" sz="2000" dirty="0"/>
+          </a:p>
+          <a:p>
+            <a:pPr marL="0" indent="0">
+              <a:buNone/>
+            </a:pPr>
+            <a:r>
               <a:rPr lang="en-US" sz="2000" dirty="0"/>
-            </a:br>
+              <a:t>Another takeaway is that unless you are in extreme pain and absolutely have to, stay away from opioids! They are extremely easy to get prescribed to you and extremely deadly in the long run. </a:t>
+            </a:r>
+          </a:p>
+          <a:p>
+            <a:pPr marL="0" indent="0">
+              <a:buNone/>
+            </a:pPr>
+            <a:endParaRPr lang="en-US" sz="2000" dirty="0"/>
+          </a:p>
+          <a:p>
+            <a:pPr marL="0" indent="0">
+              <a:buNone/>
+            </a:pPr>
             <a:endParaRPr lang="en-US" sz="2000" dirty="0"/>
           </a:p>
         </p:txBody>
@@ -4250,46 +4292,10 @@
           </a:p>
         </p:txBody>
       </p:sp>
-      <p:pic>
-        <p:nvPicPr>
-          <p:cNvPr id="3" name="Picture 2">
-            <a:extLst>
-              <a:ext uri="{FF2B5EF4-FFF2-40B4-BE49-F238E27FC236}">
-                <a16:creationId xmlns:a16="http://schemas.microsoft.com/office/drawing/2014/main" id="{17CE0ADE-43CC-BE4C-8279-DD066F4E00D4}"/>
-              </a:ext>
-            </a:extLst>
-          </p:cNvPr>
-          <p:cNvPicPr>
-            <a:picLocks noChangeAspect="1"/>
-          </p:cNvPicPr>
-          <p:nvPr/>
-        </p:nvPicPr>
-        <p:blipFill>
-          <a:blip r:embed="rId2">
-            <a:extLst>
-              <a:ext uri="{28A0092B-C50C-407E-A947-70E740481C1C}">
-                <a14:useLocalDpi xmlns:a14="http://schemas.microsoft.com/office/drawing/2010/main" val="0"/>
-              </a:ext>
-            </a:extLst>
-          </a:blip>
-          <a:stretch>
-            <a:fillRect/>
-          </a:stretch>
-        </p:blipFill>
-        <p:spPr>
-          <a:xfrm>
-            <a:off x="5271477" y="2540000"/>
-            <a:ext cx="7010400" cy="6210300"/>
-          </a:xfrm>
-          <a:prstGeom prst="rect">
-            <a:avLst/>
-          </a:prstGeom>
-        </p:spPr>
-      </p:pic>
     </p:spTree>
     <p:extLst>
       <p:ext uri="{BB962C8B-B14F-4D97-AF65-F5344CB8AC3E}">
-        <p14:creationId xmlns:p14="http://schemas.microsoft.com/office/powerpoint/2010/main" val="2191236196"/>
+        <p14:creationId xmlns:p14="http://schemas.microsoft.com/office/powerpoint/2010/main" val="3472465299"/>
       </p:ext>
     </p:extLst>
   </p:cSld>
@@ -4399,7 +4405,7 @@
           <a:p>
             <a:r>
               <a:rPr lang="en-US" dirty="0"/>
-              <a:t>What did we learn?</a:t>
+              <a:t>Revelation!</a:t>
             </a:r>
             <a:endParaRPr dirty="0"/>
           </a:p>
@@ -4431,25 +4437,19 @@
             <a:pPr marL="0" indent="0">
               <a:buNone/>
             </a:pPr>
-            <a:endParaRPr lang="en-US" dirty="0"/>
+            <a:endParaRPr lang="en-US" sz="2000" dirty="0"/>
           </a:p>
           <a:p>
             <a:pPr marL="0" indent="0">
               <a:buNone/>
             </a:pPr>
-            <a:r>
-              <a:rPr lang="en-US" sz="2000" dirty="0"/>
-              <a:t>My big takeaway, was that the accuracy at which these models were running was fairly high. </a:t>
-            </a:r>
+            <a:endParaRPr lang="en-US" sz="2000" dirty="0"/>
           </a:p>
           <a:p>
             <a:pPr marL="0" indent="0">
               <a:buNone/>
             </a:pPr>
-            <a:r>
-              <a:rPr lang="en-US" sz="2000" dirty="0"/>
-              <a:t>I would say that is probably because almost all prescribers are prescribing opioids, which is a huge factor into what they opioid epidemic exists in the first place. </a:t>
-            </a:r>
+            <a:endParaRPr lang="en-US" sz="2000" dirty="0"/>
           </a:p>
           <a:p>
             <a:pPr marL="0" indent="0">
@@ -4461,10 +4461,7 @@
             <a:pPr marL="0" indent="0">
               <a:buNone/>
             </a:pPr>
-            <a:r>
-              <a:rPr lang="en-US" sz="2000" dirty="0"/>
-              <a:t>Another takeaway is that unless you are in extreme pain and absolutely have to, stay away from opioids! They are extremely easy to get prescribed to you and extremely deadly in the long run. </a:t>
-            </a:r>
+            <a:endParaRPr lang="en-US" sz="2000" dirty="0"/>
           </a:p>
           <a:p>
             <a:pPr marL="0" indent="0">
@@ -4482,15 +4479,34 @@
             <a:pPr marL="0" indent="0">
               <a:buNone/>
             </a:pPr>
+            <a:endParaRPr lang="en-US" sz="2000" dirty="0"/>
+          </a:p>
+          <a:p>
+            <a:pPr marL="0" indent="0">
+              <a:buNone/>
+            </a:pPr>
+            <a:endParaRPr lang="en-US" sz="2000" dirty="0"/>
+          </a:p>
+          <a:p>
+            <a:pPr marL="0" indent="0">
+              <a:buNone/>
+            </a:pPr>
+            <a:endParaRPr lang="en-US" sz="2000" dirty="0"/>
+          </a:p>
+          <a:p>
+            <a:pPr marL="0" indent="0">
+              <a:buNone/>
+            </a:pPr>
+            <a:endParaRPr lang="en-US" sz="2000" dirty="0"/>
+          </a:p>
+          <a:p>
+            <a:pPr marL="0" indent="0">
+              <a:buNone/>
+            </a:pPr>
             <a:r>
               <a:rPr lang="en-US" sz="2000" dirty="0"/>
-              <a:t>** </a:t>
-            </a:r>
-            <a:r>
-              <a:rPr lang="en-US" sz="2000" i="0" dirty="0"/>
-              <a:t>Since it's a Neural Network being used for Binary Classification the size of data required for training is around ~40,000 data points (or data of ~40,000 doctors/prescribers) with similar features to create a robust generalized model</a:t>
-            </a:r>
-            <a:endParaRPr lang="en-US" sz="2000" dirty="0"/>
+              <a:t>Resource: https://www.cnn.com/2018/03/11/health/prescription-opioid-payments-eprise/index.html</a:t>
+            </a:r>
           </a:p>
         </p:txBody>
       </p:sp>
@@ -4530,10 +4546,46 @@
           </a:p>
         </p:txBody>
       </p:sp>
+      <p:pic>
+        <p:nvPicPr>
+          <p:cNvPr id="3" name="Picture 2">
+            <a:extLst>
+              <a:ext uri="{FF2B5EF4-FFF2-40B4-BE49-F238E27FC236}">
+                <a16:creationId xmlns:a16="http://schemas.microsoft.com/office/drawing/2014/main" id="{4B358EBD-774C-7B40-9902-8E818A818777}"/>
+              </a:ext>
+            </a:extLst>
+          </p:cNvPr>
+          <p:cNvPicPr>
+            <a:picLocks noChangeAspect="1"/>
+          </p:cNvPicPr>
+          <p:nvPr/>
+        </p:nvPicPr>
+        <p:blipFill>
+          <a:blip r:embed="rId2">
+            <a:extLst>
+              <a:ext uri="{28A0092B-C50C-407E-A947-70E740481C1C}">
+                <a14:useLocalDpi xmlns:a14="http://schemas.microsoft.com/office/drawing/2010/main" val="0"/>
+              </a:ext>
+            </a:extLst>
+          </a:blip>
+          <a:stretch>
+            <a:fillRect/>
+          </a:stretch>
+        </p:blipFill>
+        <p:spPr>
+          <a:xfrm>
+            <a:off x="944417" y="3099489"/>
+            <a:ext cx="11589994" cy="3250712"/>
+          </a:xfrm>
+          <a:prstGeom prst="rect">
+            <a:avLst/>
+          </a:prstGeom>
+        </p:spPr>
+      </p:pic>
     </p:spTree>
     <p:extLst>
       <p:ext uri="{BB962C8B-B14F-4D97-AF65-F5344CB8AC3E}">
-        <p14:creationId xmlns:p14="http://schemas.microsoft.com/office/powerpoint/2010/main" val="3472465299"/>
+        <p14:creationId xmlns:p14="http://schemas.microsoft.com/office/powerpoint/2010/main" val="87147794"/>
       </p:ext>
     </p:extLst>
   </p:cSld>
@@ -4643,7 +4695,7 @@
           <a:p>
             <a:r>
               <a:rPr lang="en-US" dirty="0"/>
-              <a:t>Revelation!</a:t>
+              <a:t>What could be done better?</a:t>
             </a:r>
             <a:endParaRPr dirty="0"/>
           </a:p>
@@ -4675,13 +4727,16 @@
             <a:pPr marL="0" indent="0">
               <a:buNone/>
             </a:pPr>
-            <a:endParaRPr lang="en-US" sz="2000" dirty="0"/>
+            <a:endParaRPr lang="en-US" dirty="0"/>
           </a:p>
           <a:p>
             <a:pPr marL="0" indent="0">
               <a:buNone/>
             </a:pPr>
-            <a:endParaRPr lang="en-US" sz="2000" dirty="0"/>
+            <a:r>
+              <a:rPr lang="en-US" sz="2000" dirty="0"/>
+              <a:t>The are several things in this specific dataset and other datasets I explored that are problematic. The first has to deal directly with Fentanyl. Fentanyl is 50 times more potent than heroin and 100 times more powerful than morphine. It is the highest cause of death for opioid users. It’s an urgent issue and probably the one that needs to be dealt with first. </a:t>
+            </a:r>
           </a:p>
           <a:p>
             <a:pPr marL="0" indent="0">
@@ -4693,7 +4748,18 @@
             <a:pPr marL="0" indent="0">
               <a:buNone/>
             </a:pPr>
-            <a:endParaRPr lang="en-US" sz="2000" dirty="0"/>
+            <a:r>
+              <a:rPr lang="en-US" sz="2000" dirty="0"/>
+              <a:t>Something else I’d like to go into is other conditions the patients had. Did they have anything preconceived that lead to death? Any mental illness? Any actual chronic pain? Were they terminally ill and prescribed opioids legally? What about the opioid deaths that are not from medications prescribed from doctors, but street drugs like heroin, that </a:t>
+            </a:r>
+            <a:r>
+              <a:rPr lang="en-US" sz="2000" dirty="0" err="1"/>
+              <a:t>inititally</a:t>
+            </a:r>
+            <a:r>
+              <a:rPr lang="en-US" sz="2000" dirty="0"/>
+              <a:t> started because of doctor prescribed medication? </a:t>
+            </a:r>
           </a:p>
           <a:p>
             <a:pPr marL="0" indent="0">
@@ -4705,66 +4771,23 @@
             <a:pPr marL="0" indent="0">
               <a:buNone/>
             </a:pPr>
-            <a:endParaRPr lang="en-US" sz="2000" dirty="0"/>
+            <a:r>
+              <a:rPr lang="en-US" sz="2000" dirty="0"/>
+              <a:t>Source: https://</a:t>
+            </a:r>
+            <a:r>
+              <a:rPr lang="en-US" sz="2000" dirty="0" err="1"/>
+              <a:t>www.cbsnews.com</a:t>
+            </a:r>
+            <a:r>
+              <a:rPr lang="en-US" sz="2000" dirty="0"/>
+              <a:t>/news/opioid-fentanyl-overdose-deaths-us-life-expectancy-drops-for-second-year/</a:t>
+            </a:r>
           </a:p>
           <a:p>
             <a:pPr marL="0" indent="0">
               <a:buNone/>
             </a:pPr>
-            <a:endParaRPr lang="en-US" sz="2000" dirty="0"/>
-          </a:p>
-          <a:p>
-            <a:pPr marL="0" indent="0">
-              <a:buNone/>
-            </a:pPr>
-            <a:endParaRPr lang="en-US" sz="2000" dirty="0"/>
-          </a:p>
-          <a:p>
-            <a:pPr marL="0" indent="0">
-              <a:buNone/>
-            </a:pPr>
-            <a:endParaRPr lang="en-US" sz="2000" dirty="0"/>
-          </a:p>
-          <a:p>
-            <a:pPr marL="0" indent="0">
-              <a:buNone/>
-            </a:pPr>
-            <a:endParaRPr lang="en-US" sz="2000" dirty="0"/>
-          </a:p>
-          <a:p>
-            <a:pPr marL="0" indent="0">
-              <a:buNone/>
-            </a:pPr>
-            <a:endParaRPr lang="en-US" sz="2000" dirty="0"/>
-          </a:p>
-          <a:p>
-            <a:pPr marL="0" indent="0">
-              <a:buNone/>
-            </a:pPr>
-            <a:r>
-              <a:rPr lang="en-US" sz="2000" dirty="0"/>
-              <a:t>Resource: https://</a:t>
-            </a:r>
-            <a:r>
-              <a:rPr lang="en-US" sz="2000" dirty="0" err="1"/>
-              <a:t>www.cnn.com</a:t>
-            </a:r>
-            <a:r>
-              <a:rPr lang="en-US" sz="2000" dirty="0"/>
-              <a:t>/2018/03/11/health/prescription-opioid-payments-</a:t>
-            </a:r>
-            <a:r>
-              <a:rPr lang="en-US" sz="2000" dirty="0" err="1"/>
-              <a:t>eprise</a:t>
-            </a:r>
-            <a:r>
-              <a:rPr lang="en-US" sz="2000" dirty="0"/>
-              <a:t>/</a:t>
-            </a:r>
-            <a:r>
-              <a:rPr lang="en-US" sz="2000" dirty="0" err="1"/>
-              <a:t>index.html</a:t>
-            </a:r>
             <a:endParaRPr lang="en-US" sz="2000" dirty="0"/>
           </a:p>
         </p:txBody>
@@ -4805,46 +4828,10 @@
           </a:p>
         </p:txBody>
       </p:sp>
-      <p:pic>
-        <p:nvPicPr>
-          <p:cNvPr id="3" name="Picture 2">
-            <a:extLst>
-              <a:ext uri="{FF2B5EF4-FFF2-40B4-BE49-F238E27FC236}">
-                <a16:creationId xmlns:a16="http://schemas.microsoft.com/office/drawing/2014/main" id="{4B358EBD-774C-7B40-9902-8E818A818777}"/>
-              </a:ext>
-            </a:extLst>
-          </p:cNvPr>
-          <p:cNvPicPr>
-            <a:picLocks noChangeAspect="1"/>
-          </p:cNvPicPr>
-          <p:nvPr/>
-        </p:nvPicPr>
-        <p:blipFill>
-          <a:blip r:embed="rId2">
-            <a:extLst>
-              <a:ext uri="{28A0092B-C50C-407E-A947-70E740481C1C}">
-                <a14:useLocalDpi xmlns:a14="http://schemas.microsoft.com/office/drawing/2010/main" val="0"/>
-              </a:ext>
-            </a:extLst>
-          </a:blip>
-          <a:stretch>
-            <a:fillRect/>
-          </a:stretch>
-        </p:blipFill>
-        <p:spPr>
-          <a:xfrm>
-            <a:off x="944417" y="3099489"/>
-            <a:ext cx="11589994" cy="3250712"/>
-          </a:xfrm>
-          <a:prstGeom prst="rect">
-            <a:avLst/>
-          </a:prstGeom>
-        </p:spPr>
-      </p:pic>
     </p:spTree>
     <p:extLst>
       <p:ext uri="{BB962C8B-B14F-4D97-AF65-F5344CB8AC3E}">
-        <p14:creationId xmlns:p14="http://schemas.microsoft.com/office/powerpoint/2010/main" val="87147794"/>
+        <p14:creationId xmlns:p14="http://schemas.microsoft.com/office/powerpoint/2010/main" val="3238483319"/>
       </p:ext>
     </p:extLst>
   </p:cSld>
@@ -5845,7 +5832,7 @@
           <a:p>
             <a:r>
               <a:rPr lang="en-US" dirty="0"/>
-              <a:t>There is A LOT of data out there regarding opioid related deaths and overdoses. Because a lot of analysis out there (as I’ll show later), can already show you which states are more likely to prescribe opioids than others, I decided to predict the likelihood that opioids would be prescribed to you by a specific provider. </a:t>
+              <a:t>My main goal here is to predict the likelihood that you will be prescribed opioids by a specific provider. This is important because it can tell us the type of doctor, what specialty and really reinforce the notion that opioids are way too easily prescribed in America. It’s less proving something (we know there’s an opioid crisis) and more starting to question where it came and from who. </a:t>
             </a:r>
           </a:p>
           <a:p>
@@ -5854,7 +5841,7 @@
           <a:p>
             <a:r>
               <a:rPr lang="en-US" dirty="0"/>
-              <a:t>The data set included the following features: </a:t>
+              <a:t>Here are my features: </a:t>
             </a:r>
           </a:p>
           <a:p>
@@ -6519,6 +6506,42 @@
           <a:xfrm>
             <a:off x="988259" y="1453662"/>
             <a:ext cx="10990772" cy="5578231"/>
+          </a:xfrm>
+          <a:prstGeom prst="rect">
+            <a:avLst/>
+          </a:prstGeom>
+        </p:spPr>
+      </p:pic>
+      <p:pic>
+        <p:nvPicPr>
+          <p:cNvPr id="7" name="Picture 6">
+            <a:extLst>
+              <a:ext uri="{FF2B5EF4-FFF2-40B4-BE49-F238E27FC236}">
+                <a16:creationId xmlns:a16="http://schemas.microsoft.com/office/drawing/2014/main" id="{2270426A-5276-A943-963C-EB475C40910B}"/>
+              </a:ext>
+            </a:extLst>
+          </p:cNvPr>
+          <p:cNvPicPr>
+            <a:picLocks noChangeAspect="1"/>
+          </p:cNvPicPr>
+          <p:nvPr/>
+        </p:nvPicPr>
+        <p:blipFill>
+          <a:blip r:embed="rId3">
+            <a:extLst>
+              <a:ext uri="{28A0092B-C50C-407E-A947-70E740481C1C}">
+                <a14:useLocalDpi xmlns:a14="http://schemas.microsoft.com/office/drawing/2010/main" val="0"/>
+              </a:ext>
+            </a:extLst>
+          </a:blip>
+          <a:stretch>
+            <a:fillRect/>
+          </a:stretch>
+        </p:blipFill>
+        <p:spPr>
+          <a:xfrm>
+            <a:off x="9715989" y="7352323"/>
+            <a:ext cx="1943100" cy="863600"/>
           </a:xfrm>
           <a:prstGeom prst="rect">
             <a:avLst/>

--- a/Capstone.pptx
+++ b/Capstone.pptx
@@ -5,7 +5,7 @@
     <p:sldMasterId id="2147483648" r:id="rId1"/>
   </p:sldMasterIdLst>
   <p:notesMasterIdLst>
-    <p:notesMasterId r:id="rId23"/>
+    <p:notesMasterId r:id="rId24"/>
   </p:notesMasterIdLst>
   <p:sldIdLst>
     <p:sldId id="256" r:id="rId2"/>
@@ -13,22 +13,23 @@
     <p:sldId id="288" r:id="rId4"/>
     <p:sldId id="289" r:id="rId5"/>
     <p:sldId id="290" r:id="rId6"/>
-    <p:sldId id="291" r:id="rId7"/>
-    <p:sldId id="286" r:id="rId8"/>
-    <p:sldId id="292" r:id="rId9"/>
-    <p:sldId id="293" r:id="rId10"/>
-    <p:sldId id="294" r:id="rId11"/>
+    <p:sldId id="292" r:id="rId7"/>
+    <p:sldId id="293" r:id="rId8"/>
+    <p:sldId id="294" r:id="rId9"/>
+    <p:sldId id="291" r:id="rId10"/>
+    <p:sldId id="286" r:id="rId11"/>
     <p:sldId id="295" r:id="rId12"/>
     <p:sldId id="296" r:id="rId13"/>
     <p:sldId id="298" r:id="rId14"/>
     <p:sldId id="299" r:id="rId15"/>
     <p:sldId id="300" r:id="rId16"/>
-    <p:sldId id="302" r:id="rId17"/>
-    <p:sldId id="301" r:id="rId18"/>
-    <p:sldId id="303" r:id="rId19"/>
-    <p:sldId id="306" r:id="rId20"/>
-    <p:sldId id="304" r:id="rId21"/>
-    <p:sldId id="305" r:id="rId22"/>
+    <p:sldId id="307" r:id="rId17"/>
+    <p:sldId id="302" r:id="rId18"/>
+    <p:sldId id="301" r:id="rId19"/>
+    <p:sldId id="303" r:id="rId20"/>
+    <p:sldId id="306" r:id="rId21"/>
+    <p:sldId id="304" r:id="rId22"/>
+    <p:sldId id="305" r:id="rId23"/>
   </p:sldIdLst>
   <p:sldSz cx="13004800" cy="9753600"/>
   <p:notesSz cx="6858000" cy="9144000"/>
@@ -2627,10 +2628,10 @@
       </p:grpSpPr>
       <p:pic>
         <p:nvPicPr>
-          <p:cNvPr id="4" name="Picture 3">
+          <p:cNvPr id="3" name="Picture 2">
             <a:extLst>
               <a:ext uri="{FF2B5EF4-FFF2-40B4-BE49-F238E27FC236}">
-                <a16:creationId xmlns:a16="http://schemas.microsoft.com/office/drawing/2014/main" id="{C4A8EB6C-4AE5-4B49-893D-59B7D80BC017}"/>
+                <a16:creationId xmlns:a16="http://schemas.microsoft.com/office/drawing/2014/main" id="{8CC8CC7E-06F8-F745-9A04-64B3DDE5F10C}"/>
               </a:ext>
             </a:extLst>
           </p:cNvPr>
@@ -2653,8 +2654,44 @@
         </p:blipFill>
         <p:spPr>
           <a:xfrm>
-            <a:off x="490806" y="1359875"/>
-            <a:ext cx="11810610" cy="7381631"/>
+            <a:off x="988259" y="1453662"/>
+            <a:ext cx="10990772" cy="5578231"/>
+          </a:xfrm>
+          <a:prstGeom prst="rect">
+            <a:avLst/>
+          </a:prstGeom>
+        </p:spPr>
+      </p:pic>
+      <p:pic>
+        <p:nvPicPr>
+          <p:cNvPr id="7" name="Picture 6">
+            <a:extLst>
+              <a:ext uri="{FF2B5EF4-FFF2-40B4-BE49-F238E27FC236}">
+                <a16:creationId xmlns:a16="http://schemas.microsoft.com/office/drawing/2014/main" id="{2270426A-5276-A943-963C-EB475C40910B}"/>
+              </a:ext>
+            </a:extLst>
+          </p:cNvPr>
+          <p:cNvPicPr>
+            <a:picLocks noChangeAspect="1"/>
+          </p:cNvPicPr>
+          <p:nvPr/>
+        </p:nvPicPr>
+        <p:blipFill>
+          <a:blip r:embed="rId3">
+            <a:extLst>
+              <a:ext uri="{28A0092B-C50C-407E-A947-70E740481C1C}">
+                <a14:useLocalDpi xmlns:a14="http://schemas.microsoft.com/office/drawing/2010/main" val="0"/>
+              </a:ext>
+            </a:extLst>
+          </a:blip>
+          <a:stretch>
+            <a:fillRect/>
+          </a:stretch>
+        </p:blipFill>
+        <p:spPr>
+          <a:xfrm>
+            <a:off x="9715989" y="7352323"/>
+            <a:ext cx="1943100" cy="863600"/>
           </a:xfrm>
           <a:prstGeom prst="rect">
             <a:avLst/>
@@ -2662,11 +2699,6 @@
         </p:spPr>
       </p:pic>
     </p:spTree>
-    <p:extLst>
-      <p:ext uri="{BB962C8B-B14F-4D97-AF65-F5344CB8AC3E}">
-        <p14:creationId xmlns:p14="http://schemas.microsoft.com/office/powerpoint/2010/main" val="124163820"/>
-      </p:ext>
-    </p:extLst>
   </p:cSld>
   <p:clrMapOvr>
     <a:masterClrMapping/>
@@ -3323,8 +3355,8 @@
         </p:nvSpPr>
         <p:spPr>
           <a:xfrm>
-            <a:off x="1422399" y="3226361"/>
-            <a:ext cx="10324123" cy="4252961"/>
+            <a:off x="1404118" y="2734661"/>
+            <a:ext cx="10363339" cy="5005638"/>
           </a:xfrm>
           <a:prstGeom prst="rect">
             <a:avLst/>
@@ -3424,6 +3456,21 @@
             <a:r>
               <a:rPr lang="en-US" sz="2000" dirty="0"/>
               <a:t>Random Forest: 91%</a:t>
+            </a:r>
+          </a:p>
+          <a:p>
+            <a:pPr marL="0" indent="0" algn="ctr">
+              <a:buNone/>
+            </a:pPr>
+            <a:endParaRPr lang="en-US" sz="2000" dirty="0"/>
+          </a:p>
+          <a:p>
+            <a:pPr marL="0" indent="0" algn="ctr">
+              <a:buNone/>
+            </a:pPr>
+            <a:r>
+              <a:rPr lang="en-US" sz="2000" dirty="0"/>
+              <a:t>When I ran f1 evaluation on these, it was almost exactly the same. It seems like things are really overfitting, baseline was 90%</a:t>
             </a:r>
           </a:p>
         </p:txBody>
@@ -3611,7 +3658,7 @@
             </a:pPr>
             <a:r>
               <a:rPr lang="en-US" sz="2000" dirty="0"/>
-              <a:t>The last model I ran was a binary classification neural network</a:t>
+              <a:t>The last model I ran was a neural network</a:t>
             </a:r>
           </a:p>
           <a:p>
@@ -3705,7 +3752,7 @@
             </a:pPr>
             <a:r>
               <a:rPr lang="en-US" sz="1600" i="0" dirty="0"/>
-              <a:t>around  40,000 data points (or data</a:t>
+              <a:t>around  25k data points (or data</a:t>
             </a:r>
           </a:p>
           <a:p>
@@ -3714,7 +3761,7 @@
             </a:pPr>
             <a:r>
               <a:rPr lang="en-US" sz="1600" i="0" dirty="0"/>
-              <a:t>of  around 40,000 doctors/prescribers) </a:t>
+              <a:t>of  around 25k doctors/prescribers) </a:t>
             </a:r>
           </a:p>
           <a:p>
@@ -3929,64 +3976,9 @@
           <a:p>
             <a:r>
               <a:rPr lang="en-US" dirty="0"/>
-              <a:t>MODELING!</a:t>
+              <a:t>Modeling!</a:t>
             </a:r>
             <a:endParaRPr dirty="0"/>
-          </a:p>
-        </p:txBody>
-      </p:sp>
-      <p:sp>
-        <p:nvSpPr>
-          <p:cNvPr id="401" name="Shape 401"/>
-          <p:cNvSpPr>
-            <a:spLocks noGrp="1"/>
-          </p:cNvSpPr>
-          <p:nvPr>
-            <p:ph type="body" sz="half" idx="1"/>
-          </p:nvPr>
-        </p:nvSpPr>
-        <p:spPr>
-          <a:xfrm>
-            <a:off x="1422399" y="3226361"/>
-            <a:ext cx="10324123" cy="4252961"/>
-          </a:xfrm>
-          <a:prstGeom prst="rect">
-            <a:avLst/>
-          </a:prstGeom>
-        </p:spPr>
-        <p:txBody>
-          <a:bodyPr/>
-          <a:lstStyle/>
-          <a:p>
-            <a:pPr marL="0" indent="0">
-              <a:buNone/>
-            </a:pPr>
-            <a:r>
-              <a:rPr lang="en-US" sz="2000" dirty="0"/>
-              <a:t>Here is a plot of the model</a:t>
-            </a:r>
-          </a:p>
-          <a:p>
-            <a:pPr marL="0" indent="0">
-              <a:buNone/>
-            </a:pPr>
-            <a:r>
-              <a:rPr lang="en-US" sz="2000" dirty="0"/>
-              <a:t>Accuracy vs model loss </a:t>
-            </a:r>
-          </a:p>
-          <a:p>
-            <a:pPr marL="0" indent="0">
-              <a:buNone/>
-            </a:pPr>
-            <a:r>
-              <a:rPr lang="en-US" sz="2000" dirty="0"/>
-              <a:t>With the train/test data. </a:t>
-            </a:r>
-            <a:br>
-              <a:rPr lang="en-US" sz="2000" dirty="0"/>
-            </a:br>
-            <a:endParaRPr lang="en-US" sz="2000" dirty="0"/>
           </a:p>
         </p:txBody>
       </p:sp>
@@ -4028,10 +4020,10 @@
       </p:sp>
       <p:pic>
         <p:nvPicPr>
-          <p:cNvPr id="3" name="Picture 2">
+          <p:cNvPr id="5" name="Picture 4">
             <a:extLst>
               <a:ext uri="{FF2B5EF4-FFF2-40B4-BE49-F238E27FC236}">
-                <a16:creationId xmlns:a16="http://schemas.microsoft.com/office/drawing/2014/main" id="{17CE0ADE-43CC-BE4C-8279-DD066F4E00D4}"/>
+                <a16:creationId xmlns:a16="http://schemas.microsoft.com/office/drawing/2014/main" id="{98C79442-7C12-2F4E-82B4-675345D4A066}"/>
               </a:ext>
             </a:extLst>
           </p:cNvPr>
@@ -4054,8 +4046,8 @@
         </p:blipFill>
         <p:spPr>
           <a:xfrm>
-            <a:off x="5271477" y="2540000"/>
-            <a:ext cx="7010400" cy="6210300"/>
+            <a:off x="985571" y="2600515"/>
+            <a:ext cx="11033657" cy="5690132"/>
           </a:xfrm>
           <a:prstGeom prst="rect">
             <a:avLst/>
@@ -4065,7 +4057,7 @@
     </p:spTree>
     <p:extLst>
       <p:ext uri="{BB962C8B-B14F-4D97-AF65-F5344CB8AC3E}">
-        <p14:creationId xmlns:p14="http://schemas.microsoft.com/office/powerpoint/2010/main" val="2191236196"/>
+        <p14:creationId xmlns:p14="http://schemas.microsoft.com/office/powerpoint/2010/main" val="3698994116"/>
       </p:ext>
     </p:extLst>
   </p:cSld>
@@ -4175,7 +4167,7 @@
           <a:p>
             <a:r>
               <a:rPr lang="en-US" dirty="0"/>
-              <a:t>What did we learn?</a:t>
+              <a:t>MODELING!</a:t>
             </a:r>
             <a:endParaRPr dirty="0"/>
           </a:p>
@@ -4207,7 +4199,10 @@
             <a:pPr marL="0" indent="0">
               <a:buNone/>
             </a:pPr>
-            <a:endParaRPr lang="en-US" dirty="0"/>
+            <a:r>
+              <a:rPr lang="en-US" sz="2000" dirty="0"/>
+              <a:t>Here is a plot of the model</a:t>
+            </a:r>
           </a:p>
           <a:p>
             <a:pPr marL="0" indent="0">
@@ -4215,7 +4210,7 @@
             </a:pPr>
             <a:r>
               <a:rPr lang="en-US" sz="2000" dirty="0"/>
-              <a:t>My big takeaway, was that the accuracy at which these models were running was fairly high. </a:t>
+              <a:t>Accuracy vs model loss </a:t>
             </a:r>
           </a:p>
           <a:p>
@@ -4224,14 +4219,17 @@
             </a:pPr>
             <a:r>
               <a:rPr lang="en-US" sz="2000" dirty="0"/>
-              <a:t>I would say that is probably because almost all prescribers are prescribing opioids, which is a huge factor into what they opioid epidemic exists in the first place. </a:t>
+              <a:t>With the train/test data of </a:t>
             </a:r>
           </a:p>
           <a:p>
             <a:pPr marL="0" indent="0">
               <a:buNone/>
             </a:pPr>
-            <a:endParaRPr lang="en-US" sz="2000" dirty="0"/>
+            <a:r>
+              <a:rPr lang="en-US" sz="2000" dirty="0"/>
+              <a:t>my final tuned/standardized </a:t>
+            </a:r>
           </a:p>
           <a:p>
             <a:pPr marL="0" indent="0">
@@ -4239,19 +4237,11 @@
             </a:pPr>
             <a:r>
               <a:rPr lang="en-US" sz="2000" dirty="0"/>
-              <a:t>Another takeaway is that unless you are in extreme pain and absolutely have to, stay away from opioids! They are extremely easy to get prescribed to you and extremely deadly in the long run. </a:t>
-            </a:r>
-          </a:p>
-          <a:p>
-            <a:pPr marL="0" indent="0">
-              <a:buNone/>
-            </a:pPr>
-            <a:endParaRPr lang="en-US" sz="2000" dirty="0"/>
-          </a:p>
-          <a:p>
-            <a:pPr marL="0" indent="0">
-              <a:buNone/>
-            </a:pPr>
+              <a:t>model.  </a:t>
+            </a:r>
+            <a:br>
+              <a:rPr lang="en-US" sz="2000" dirty="0"/>
+            </a:br>
             <a:endParaRPr lang="en-US" sz="2000" dirty="0"/>
           </a:p>
         </p:txBody>
@@ -4292,10 +4282,46 @@
           </a:p>
         </p:txBody>
       </p:sp>
+      <p:pic>
+        <p:nvPicPr>
+          <p:cNvPr id="3" name="Picture 2">
+            <a:extLst>
+              <a:ext uri="{FF2B5EF4-FFF2-40B4-BE49-F238E27FC236}">
+                <a16:creationId xmlns:a16="http://schemas.microsoft.com/office/drawing/2014/main" id="{17CE0ADE-43CC-BE4C-8279-DD066F4E00D4}"/>
+              </a:ext>
+            </a:extLst>
+          </p:cNvPr>
+          <p:cNvPicPr>
+            <a:picLocks noChangeAspect="1"/>
+          </p:cNvPicPr>
+          <p:nvPr/>
+        </p:nvPicPr>
+        <p:blipFill>
+          <a:blip r:embed="rId2">
+            <a:extLst>
+              <a:ext uri="{28A0092B-C50C-407E-A947-70E740481C1C}">
+                <a14:useLocalDpi xmlns:a14="http://schemas.microsoft.com/office/drawing/2010/main" val="0"/>
+              </a:ext>
+            </a:extLst>
+          </a:blip>
+          <a:stretch>
+            <a:fillRect/>
+          </a:stretch>
+        </p:blipFill>
+        <p:spPr>
+          <a:xfrm>
+            <a:off x="5271477" y="2540000"/>
+            <a:ext cx="7010400" cy="6210300"/>
+          </a:xfrm>
+          <a:prstGeom prst="rect">
+            <a:avLst/>
+          </a:prstGeom>
+        </p:spPr>
+      </p:pic>
     </p:spTree>
     <p:extLst>
       <p:ext uri="{BB962C8B-B14F-4D97-AF65-F5344CB8AC3E}">
-        <p14:creationId xmlns:p14="http://schemas.microsoft.com/office/powerpoint/2010/main" val="3472465299"/>
+        <p14:creationId xmlns:p14="http://schemas.microsoft.com/office/powerpoint/2010/main" val="2191236196"/>
       </p:ext>
     </p:extLst>
   </p:cSld>
@@ -4405,7 +4431,7 @@
           <a:p>
             <a:r>
               <a:rPr lang="en-US" dirty="0"/>
-              <a:t>Revelation!</a:t>
+              <a:t>What did we learn?</a:t>
             </a:r>
             <a:endParaRPr dirty="0"/>
           </a:p>
@@ -4437,19 +4463,25 @@
             <a:pPr marL="0" indent="0">
               <a:buNone/>
             </a:pPr>
-            <a:endParaRPr lang="en-US" sz="2000" dirty="0"/>
+            <a:endParaRPr lang="en-US" dirty="0"/>
           </a:p>
           <a:p>
             <a:pPr marL="0" indent="0">
               <a:buNone/>
             </a:pPr>
-            <a:endParaRPr lang="en-US" sz="2000" dirty="0"/>
+            <a:r>
+              <a:rPr lang="en-US" sz="2000" dirty="0"/>
+              <a:t>My big takeaway, was that the accuracy at which these models were running was fairly high. </a:t>
+            </a:r>
           </a:p>
           <a:p>
             <a:pPr marL="0" indent="0">
               <a:buNone/>
             </a:pPr>
-            <a:endParaRPr lang="en-US" sz="2000" dirty="0"/>
+            <a:r>
+              <a:rPr lang="en-US" sz="2000" dirty="0"/>
+              <a:t>I would say that is probably because almost all prescribers are prescribing opioids, which is a huge factor into what they opioid epidemic exists in the first place. </a:t>
+            </a:r>
           </a:p>
           <a:p>
             <a:pPr marL="0" indent="0">
@@ -4461,7 +4493,10 @@
             <a:pPr marL="0" indent="0">
               <a:buNone/>
             </a:pPr>
-            <a:endParaRPr lang="en-US" sz="2000" dirty="0"/>
+            <a:r>
+              <a:rPr lang="en-US" sz="2000" dirty="0"/>
+              <a:t>Another takeaway is that unless you are in extreme pain and absolutely have to, stay away from opioids! They are extremely easy to get prescribed to you and extremely deadly in the long run. </a:t>
+            </a:r>
           </a:p>
           <a:p>
             <a:pPr marL="0" indent="0">
@@ -4474,39 +4509,6 @@
               <a:buNone/>
             </a:pPr>
             <a:endParaRPr lang="en-US" sz="2000" dirty="0"/>
-          </a:p>
-          <a:p>
-            <a:pPr marL="0" indent="0">
-              <a:buNone/>
-            </a:pPr>
-            <a:endParaRPr lang="en-US" sz="2000" dirty="0"/>
-          </a:p>
-          <a:p>
-            <a:pPr marL="0" indent="0">
-              <a:buNone/>
-            </a:pPr>
-            <a:endParaRPr lang="en-US" sz="2000" dirty="0"/>
-          </a:p>
-          <a:p>
-            <a:pPr marL="0" indent="0">
-              <a:buNone/>
-            </a:pPr>
-            <a:endParaRPr lang="en-US" sz="2000" dirty="0"/>
-          </a:p>
-          <a:p>
-            <a:pPr marL="0" indent="0">
-              <a:buNone/>
-            </a:pPr>
-            <a:endParaRPr lang="en-US" sz="2000" dirty="0"/>
-          </a:p>
-          <a:p>
-            <a:pPr marL="0" indent="0">
-              <a:buNone/>
-            </a:pPr>
-            <a:r>
-              <a:rPr lang="en-US" sz="2000" dirty="0"/>
-              <a:t>Resource: https://www.cnn.com/2018/03/11/health/prescription-opioid-payments-eprise/index.html</a:t>
-            </a:r>
           </a:p>
         </p:txBody>
       </p:sp>
@@ -4546,46 +4548,10 @@
           </a:p>
         </p:txBody>
       </p:sp>
-      <p:pic>
-        <p:nvPicPr>
-          <p:cNvPr id="3" name="Picture 2">
-            <a:extLst>
-              <a:ext uri="{FF2B5EF4-FFF2-40B4-BE49-F238E27FC236}">
-                <a16:creationId xmlns:a16="http://schemas.microsoft.com/office/drawing/2014/main" id="{4B358EBD-774C-7B40-9902-8E818A818777}"/>
-              </a:ext>
-            </a:extLst>
-          </p:cNvPr>
-          <p:cNvPicPr>
-            <a:picLocks noChangeAspect="1"/>
-          </p:cNvPicPr>
-          <p:nvPr/>
-        </p:nvPicPr>
-        <p:blipFill>
-          <a:blip r:embed="rId2">
-            <a:extLst>
-              <a:ext uri="{28A0092B-C50C-407E-A947-70E740481C1C}">
-                <a14:useLocalDpi xmlns:a14="http://schemas.microsoft.com/office/drawing/2010/main" val="0"/>
-              </a:ext>
-            </a:extLst>
-          </a:blip>
-          <a:stretch>
-            <a:fillRect/>
-          </a:stretch>
-        </p:blipFill>
-        <p:spPr>
-          <a:xfrm>
-            <a:off x="944417" y="3099489"/>
-            <a:ext cx="11589994" cy="3250712"/>
-          </a:xfrm>
-          <a:prstGeom prst="rect">
-            <a:avLst/>
-          </a:prstGeom>
-        </p:spPr>
-      </p:pic>
     </p:spTree>
     <p:extLst>
       <p:ext uri="{BB962C8B-B14F-4D97-AF65-F5344CB8AC3E}">
-        <p14:creationId xmlns:p14="http://schemas.microsoft.com/office/powerpoint/2010/main" val="87147794"/>
+        <p14:creationId xmlns:p14="http://schemas.microsoft.com/office/powerpoint/2010/main" val="3472465299"/>
       </p:ext>
     </p:extLst>
   </p:cSld>
@@ -4695,7 +4661,7 @@
           <a:p>
             <a:r>
               <a:rPr lang="en-US" dirty="0"/>
-              <a:t>What could be done better?</a:t>
+              <a:t>Revelation!</a:t>
             </a:r>
             <a:endParaRPr dirty="0"/>
           </a:p>
@@ -4727,16 +4693,13 @@
             <a:pPr marL="0" indent="0">
               <a:buNone/>
             </a:pPr>
-            <a:endParaRPr lang="en-US" dirty="0"/>
+            <a:endParaRPr lang="en-US" sz="2000" dirty="0"/>
           </a:p>
           <a:p>
             <a:pPr marL="0" indent="0">
               <a:buNone/>
             </a:pPr>
-            <a:r>
-              <a:rPr lang="en-US" sz="2000" dirty="0"/>
-              <a:t>The are several things in this specific dataset and other datasets I explored that are problematic. The first has to deal directly with Fentanyl. Fentanyl is 50 times more potent than heroin and 100 times more powerful than morphine. It is the highest cause of death for opioid users. It’s an urgent issue and probably the one that needs to be dealt with first. </a:t>
-            </a:r>
+            <a:endParaRPr lang="en-US" sz="2000" dirty="0"/>
           </a:p>
           <a:p>
             <a:pPr marL="0" indent="0">
@@ -4748,18 +4711,7 @@
             <a:pPr marL="0" indent="0">
               <a:buNone/>
             </a:pPr>
-            <a:r>
-              <a:rPr lang="en-US" sz="2000" dirty="0"/>
-              <a:t>Something else I’d like to go into is other conditions the patients had. Did they have anything preconceived that lead to death? Any mental illness? Any actual chronic pain? Were they terminally ill and prescribed opioids legally? What about the opioid deaths that are not from medications prescribed from doctors, but street drugs like heroin, that </a:t>
-            </a:r>
-            <a:r>
-              <a:rPr lang="en-US" sz="2000" dirty="0" err="1"/>
-              <a:t>inititally</a:t>
-            </a:r>
-            <a:r>
-              <a:rPr lang="en-US" sz="2000" dirty="0"/>
-              <a:t> started because of doctor prescribed medication? </a:t>
-            </a:r>
+            <a:endParaRPr lang="en-US" sz="2000" dirty="0"/>
           </a:p>
           <a:p>
             <a:pPr marL="0" indent="0">
@@ -4771,24 +4723,46 @@
             <a:pPr marL="0" indent="0">
               <a:buNone/>
             </a:pPr>
-            <a:r>
-              <a:rPr lang="en-US" sz="2000" dirty="0"/>
-              <a:t>Source: https://</a:t>
-            </a:r>
-            <a:r>
-              <a:rPr lang="en-US" sz="2000" dirty="0" err="1"/>
-              <a:t>www.cbsnews.com</a:t>
-            </a:r>
-            <a:r>
-              <a:rPr lang="en-US" sz="2000" dirty="0"/>
-              <a:t>/news/opioid-fentanyl-overdose-deaths-us-life-expectancy-drops-for-second-year/</a:t>
-            </a:r>
+            <a:endParaRPr lang="en-US" sz="2000" dirty="0"/>
           </a:p>
           <a:p>
             <a:pPr marL="0" indent="0">
               <a:buNone/>
             </a:pPr>
             <a:endParaRPr lang="en-US" sz="2000" dirty="0"/>
+          </a:p>
+          <a:p>
+            <a:pPr marL="0" indent="0">
+              <a:buNone/>
+            </a:pPr>
+            <a:endParaRPr lang="en-US" sz="2000" dirty="0"/>
+          </a:p>
+          <a:p>
+            <a:pPr marL="0" indent="0">
+              <a:buNone/>
+            </a:pPr>
+            <a:endParaRPr lang="en-US" sz="2000" dirty="0"/>
+          </a:p>
+          <a:p>
+            <a:pPr marL="0" indent="0">
+              <a:buNone/>
+            </a:pPr>
+            <a:endParaRPr lang="en-US" sz="2000" dirty="0"/>
+          </a:p>
+          <a:p>
+            <a:pPr marL="0" indent="0">
+              <a:buNone/>
+            </a:pPr>
+            <a:endParaRPr lang="en-US" sz="2000" dirty="0"/>
+          </a:p>
+          <a:p>
+            <a:pPr marL="0" indent="0">
+              <a:buNone/>
+            </a:pPr>
+            <a:r>
+              <a:rPr lang="en-US" sz="2000" dirty="0"/>
+              <a:t>Resource: https://www.cnn.com/2018/03/11/health/prescription-opioid-payments-eprise/index.html</a:t>
+            </a:r>
           </a:p>
         </p:txBody>
       </p:sp>
@@ -4828,10 +4802,46 @@
           </a:p>
         </p:txBody>
       </p:sp>
+      <p:pic>
+        <p:nvPicPr>
+          <p:cNvPr id="3" name="Picture 2">
+            <a:extLst>
+              <a:ext uri="{FF2B5EF4-FFF2-40B4-BE49-F238E27FC236}">
+                <a16:creationId xmlns:a16="http://schemas.microsoft.com/office/drawing/2014/main" id="{4B358EBD-774C-7B40-9902-8E818A818777}"/>
+              </a:ext>
+            </a:extLst>
+          </p:cNvPr>
+          <p:cNvPicPr>
+            <a:picLocks noChangeAspect="1"/>
+          </p:cNvPicPr>
+          <p:nvPr/>
+        </p:nvPicPr>
+        <p:blipFill>
+          <a:blip r:embed="rId2">
+            <a:extLst>
+              <a:ext uri="{28A0092B-C50C-407E-A947-70E740481C1C}">
+                <a14:useLocalDpi xmlns:a14="http://schemas.microsoft.com/office/drawing/2010/main" val="0"/>
+              </a:ext>
+            </a:extLst>
+          </a:blip>
+          <a:stretch>
+            <a:fillRect/>
+          </a:stretch>
+        </p:blipFill>
+        <p:spPr>
+          <a:xfrm>
+            <a:off x="944417" y="3099489"/>
+            <a:ext cx="11589994" cy="3250712"/>
+          </a:xfrm>
+          <a:prstGeom prst="rect">
+            <a:avLst/>
+          </a:prstGeom>
+        </p:spPr>
+      </p:pic>
     </p:spTree>
     <p:extLst>
       <p:ext uri="{BB962C8B-B14F-4D97-AF65-F5344CB8AC3E}">
-        <p14:creationId xmlns:p14="http://schemas.microsoft.com/office/powerpoint/2010/main" val="3238483319"/>
+        <p14:creationId xmlns:p14="http://schemas.microsoft.com/office/powerpoint/2010/main" val="87147794"/>
       </p:ext>
     </p:extLst>
   </p:cSld>
@@ -5104,10 +5114,6 @@
                 <a:sym typeface="Gill Sans"/>
               </a:defRPr>
             </a:pPr>
-            <a:r>
-              <a:rPr lang="en-US" dirty="0"/>
-              <a:t>ng </a:t>
-            </a:r>
             <a:endParaRPr dirty="0"/>
           </a:p>
         </p:txBody>
@@ -5148,7 +5154,7 @@
         <p:spPr>
           <a:xfrm>
             <a:off x="1422400" y="1143000"/>
-            <a:ext cx="10160000" cy="2002168"/>
+            <a:ext cx="10160000" cy="1397000"/>
           </a:xfrm>
           <a:prstGeom prst="rect">
             <a:avLst/>
@@ -5160,7 +5166,7 @@
           <a:p>
             <a:r>
               <a:rPr lang="en-US" dirty="0"/>
-              <a:t>Be careful where and how you get your data</a:t>
+              <a:t>What could be done better?</a:t>
             </a:r>
             <a:endParaRPr dirty="0"/>
           </a:p>
@@ -5178,8 +5184,8 @@
         </p:nvSpPr>
         <p:spPr>
           <a:xfrm>
-            <a:off x="1422399" y="3226361"/>
-            <a:ext cx="10324123" cy="4252961"/>
+            <a:off x="668215" y="3226361"/>
+            <a:ext cx="11078307" cy="5064286"/>
           </a:xfrm>
           <a:prstGeom prst="rect">
             <a:avLst/>
@@ -5200,8 +5206,52 @@
             </a:pPr>
             <a:r>
               <a:rPr lang="en-US" sz="2000" dirty="0"/>
-              <a:t>So this is something extra, but I’d like to talk about my previous capstone pitch, which was about gun violence. We had that lighting talk, so you guys know I was trying to predict fatal police shootings against people of color and black people, specifically. Because the data was just overwhelming messy, and no one is keeping actual count (it’s all volunteer based), and many police departments weren’t even reporting fatal shootings, I decided to abandon it. Two weeks ago, someone else posted in the Kaggle asking to use the dataset and this was the response: </a:t>
-            </a:r>
+              <a:t>The are several things in this specific dataset and other datasets I explored that are problematic. The first has to deal directly with Fentanyl. Fentanyl is 50 times more potent than heroin and 100 times more powerful than morphine. It is the highest cause of death for opioid users. It’s an urgent issue and probably the one that needs to be dealt with first. </a:t>
+            </a:r>
+          </a:p>
+          <a:p>
+            <a:pPr marL="0" indent="0">
+              <a:buNone/>
+            </a:pPr>
+            <a:endParaRPr lang="en-US" sz="2000" dirty="0"/>
+          </a:p>
+          <a:p>
+            <a:pPr marL="0" indent="0">
+              <a:buNone/>
+            </a:pPr>
+            <a:r>
+              <a:rPr lang="en-US" sz="2000" dirty="0"/>
+              <a:t>Something else I’d like to go into is other conditions the patients had. Did they have anything preconceived that lead to death? Any mental illness? Any actual chronic pain? Were they terminally ill and prescribed opioids legally? What about the opioid deaths that are not from medications prescribed from doctors, but street drugs like heroin, that initially started because of doctor prescribed medication?  What about the formation of addiction in the brain after initial usage that leads to other drugs that can lead to death.</a:t>
+            </a:r>
+          </a:p>
+          <a:p>
+            <a:pPr marL="0" indent="0">
+              <a:buNone/>
+            </a:pPr>
+            <a:endParaRPr lang="en-US" sz="2000" dirty="0"/>
+          </a:p>
+          <a:p>
+            <a:pPr marL="0" indent="0">
+              <a:buNone/>
+            </a:pPr>
+            <a:r>
+              <a:rPr lang="en-US" sz="2000" dirty="0"/>
+              <a:t>Source: https://</a:t>
+            </a:r>
+            <a:r>
+              <a:rPr lang="en-US" sz="2000" dirty="0" err="1"/>
+              <a:t>www.cbsnews.com</a:t>
+            </a:r>
+            <a:r>
+              <a:rPr lang="en-US" sz="2000" dirty="0"/>
+              <a:t>/news/opioid-fentanyl-overdose-deaths-us-life-expectancy-drops-for-second-year/</a:t>
+            </a:r>
+          </a:p>
+          <a:p>
+            <a:pPr marL="0" indent="0">
+              <a:buNone/>
+            </a:pPr>
+            <a:endParaRPr lang="en-US" sz="2000" dirty="0"/>
           </a:p>
         </p:txBody>
       </p:sp>
@@ -5244,7 +5294,7 @@
     </p:spTree>
     <p:extLst>
       <p:ext uri="{BB962C8B-B14F-4D97-AF65-F5344CB8AC3E}">
-        <p14:creationId xmlns:p14="http://schemas.microsoft.com/office/powerpoint/2010/main" val="2704066130"/>
+        <p14:creationId xmlns:p14="http://schemas.microsoft.com/office/powerpoint/2010/main" val="3238483319"/>
       </p:ext>
     </p:extLst>
   </p:cSld>
@@ -5302,6 +5352,10 @@
                 <a:sym typeface="Gill Sans"/>
               </a:defRPr>
             </a:pPr>
+            <a:r>
+              <a:rPr lang="en-US" dirty="0"/>
+              <a:t>ng </a:t>
+            </a:r>
             <a:endParaRPr dirty="0"/>
           </a:p>
         </p:txBody>
@@ -5325,6 +5379,37 @@
           <a:bodyPr/>
           <a:lstStyle/>
           <a:p>
+            <a:endParaRPr dirty="0"/>
+          </a:p>
+        </p:txBody>
+      </p:sp>
+      <p:sp>
+        <p:nvSpPr>
+          <p:cNvPr id="400" name="Shape 400"/>
+          <p:cNvSpPr>
+            <a:spLocks noGrp="1"/>
+          </p:cNvSpPr>
+          <p:nvPr>
+            <p:ph type="title"/>
+          </p:nvPr>
+        </p:nvSpPr>
+        <p:spPr>
+          <a:xfrm>
+            <a:off x="1422400" y="1143000"/>
+            <a:ext cx="10160000" cy="2002168"/>
+          </a:xfrm>
+          <a:prstGeom prst="rect">
+            <a:avLst/>
+          </a:prstGeom>
+        </p:spPr>
+        <p:txBody>
+          <a:bodyPr/>
+          <a:lstStyle/>
+          <a:p>
+            <a:r>
+              <a:rPr lang="en-US" dirty="0"/>
+              <a:t>Be careful where and how you get your data</a:t>
+            </a:r>
             <a:endParaRPr dirty="0"/>
           </a:p>
         </p:txBody>
@@ -5361,13 +5446,10 @@
             <a:pPr marL="0" indent="0">
               <a:buNone/>
             </a:pPr>
-            <a:endParaRPr lang="en-US" sz="2000" dirty="0"/>
-          </a:p>
-          <a:p>
-            <a:pPr marL="0" indent="0">
-              <a:buNone/>
-            </a:pPr>
-            <a:endParaRPr lang="en-US" sz="2000" dirty="0"/>
+            <a:r>
+              <a:rPr lang="en-US" sz="2000" dirty="0"/>
+              <a:t>So this is something extra, but I’d like to talk about my previous capstone pitch, which was about gun violence. We had that lighting talk, so you guys know I was trying to predict fatal police shootings against people of color and black people, specifically. Because the data was just overwhelming messy, and no one is keeping actual count (it’s all volunteer based), and many police departments weren’t even reporting fatal shootings, I decided to abandon it. Two weeks ago, someone else posted in the Kaggle asking to use the dataset and this was the response: </a:t>
+            </a:r>
           </a:p>
         </p:txBody>
       </p:sp>
@@ -5402,6 +5484,172 @@
             <a:fld id="{86CB4B4D-7CA3-9044-876B-883B54F8677D}" type="slidenum">
               <a:rPr/>
               <a:t>21</a:t>
+            </a:fld>
+            <a:endParaRPr dirty="0"/>
+          </a:p>
+        </p:txBody>
+      </p:sp>
+    </p:spTree>
+    <p:extLst>
+      <p:ext uri="{BB962C8B-B14F-4D97-AF65-F5344CB8AC3E}">
+        <p14:creationId xmlns:p14="http://schemas.microsoft.com/office/powerpoint/2010/main" val="2704066130"/>
+      </p:ext>
+    </p:extLst>
+  </p:cSld>
+  <p:clrMapOvr>
+    <a:masterClrMapping/>
+  </p:clrMapOvr>
+  <p:transition spd="med"/>
+</p:sld>
+</file>
+
+<file path=ppt/slides/slide22.xml><?xml version="1.0" encoding="utf-8"?>
+<p:sld xmlns:a="http://schemas.openxmlformats.org/drawingml/2006/main" xmlns:r="http://schemas.openxmlformats.org/officeDocument/2006/relationships" xmlns:p="http://schemas.openxmlformats.org/presentationml/2006/main">
+  <p:cSld>
+    <p:spTree>
+      <p:nvGrpSpPr>
+        <p:cNvPr id="1" name=""/>
+        <p:cNvGrpSpPr/>
+        <p:nvPr/>
+      </p:nvGrpSpPr>
+      <p:grpSpPr>
+        <a:xfrm>
+          <a:off x="0" y="0"/>
+          <a:ext cx="0" cy="0"/>
+          <a:chOff x="0" y="0"/>
+          <a:chExt cx="0" cy="0"/>
+        </a:xfrm>
+      </p:grpSpPr>
+      <p:sp>
+        <p:nvSpPr>
+          <p:cNvPr id="398" name="Shape 398"/>
+          <p:cNvSpPr>
+            <a:spLocks noGrp="1"/>
+          </p:cNvSpPr>
+          <p:nvPr>
+            <p:ph type="body" idx="13"/>
+          </p:nvPr>
+        </p:nvSpPr>
+        <p:spPr>
+          <a:prstGeom prst="rect">
+            <a:avLst/>
+          </a:prstGeom>
+        </p:spPr>
+        <p:txBody>
+          <a:bodyPr/>
+          <a:lstStyle/>
+          <a:p>
+            <a:pPr algn="ctr" defTabSz="584200">
+              <a:defRPr sz="4200" b="1" i="0">
+                <a:solidFill>
+                  <a:srgbClr val="C4DBDF"/>
+                </a:solidFill>
+                <a:latin typeface="Gill Sans"/>
+                <a:ea typeface="Gill Sans"/>
+                <a:cs typeface="Gill Sans"/>
+                <a:sym typeface="Gill Sans"/>
+              </a:defRPr>
+            </a:pPr>
+            <a:endParaRPr dirty="0"/>
+          </a:p>
+        </p:txBody>
+      </p:sp>
+      <p:sp>
+        <p:nvSpPr>
+          <p:cNvPr id="399" name="Shape 399"/>
+          <p:cNvSpPr>
+            <a:spLocks noGrp="1"/>
+          </p:cNvSpPr>
+          <p:nvPr>
+            <p:ph type="body" idx="14"/>
+          </p:nvPr>
+        </p:nvSpPr>
+        <p:spPr>
+          <a:prstGeom prst="line">
+            <a:avLst/>
+          </a:prstGeom>
+        </p:spPr>
+        <p:txBody>
+          <a:bodyPr/>
+          <a:lstStyle/>
+          <a:p>
+            <a:endParaRPr dirty="0"/>
+          </a:p>
+        </p:txBody>
+      </p:sp>
+      <p:sp>
+        <p:nvSpPr>
+          <p:cNvPr id="401" name="Shape 401"/>
+          <p:cNvSpPr>
+            <a:spLocks noGrp="1"/>
+          </p:cNvSpPr>
+          <p:nvPr>
+            <p:ph type="body" sz="half" idx="1"/>
+          </p:nvPr>
+        </p:nvSpPr>
+        <p:spPr>
+          <a:xfrm>
+            <a:off x="1422399" y="3226361"/>
+            <a:ext cx="10324123" cy="4252961"/>
+          </a:xfrm>
+          <a:prstGeom prst="rect">
+            <a:avLst/>
+          </a:prstGeom>
+        </p:spPr>
+        <p:txBody>
+          <a:bodyPr/>
+          <a:lstStyle/>
+          <a:p>
+            <a:pPr marL="0" indent="0">
+              <a:buNone/>
+            </a:pPr>
+            <a:endParaRPr lang="en-US" dirty="0"/>
+          </a:p>
+          <a:p>
+            <a:pPr marL="0" indent="0">
+              <a:buNone/>
+            </a:pPr>
+            <a:endParaRPr lang="en-US" sz="2000" dirty="0"/>
+          </a:p>
+          <a:p>
+            <a:pPr marL="0" indent="0">
+              <a:buNone/>
+            </a:pPr>
+            <a:endParaRPr lang="en-US" sz="2000" dirty="0"/>
+          </a:p>
+        </p:txBody>
+      </p:sp>
+      <p:sp>
+        <p:nvSpPr>
+          <p:cNvPr id="402" name="Shape 402"/>
+          <p:cNvSpPr>
+            <a:spLocks noGrp="1"/>
+          </p:cNvSpPr>
+          <p:nvPr>
+            <p:ph type="sldNum" sz="quarter" idx="2"/>
+          </p:nvPr>
+        </p:nvSpPr>
+        <p:spPr>
+          <a:xfrm>
+            <a:off x="6438620" y="8371840"/>
+            <a:ext cx="127560" cy="241301"/>
+          </a:xfrm>
+          <a:prstGeom prst="rect">
+            <a:avLst/>
+          </a:prstGeom>
+          <a:extLst>
+            <a:ext uri="{C572A759-6A51-4108-AA02-DFA0A04FC94B}">
+              <ma14:wrappingTextBoxFlag xmlns:ma14="http://schemas.microsoft.com/office/mac/drawingml/2011/main" xmlns="" val="1"/>
+            </a:ext>
+          </a:extLst>
+        </p:spPr>
+        <p:txBody>
+          <a:bodyPr/>
+          <a:lstStyle/>
+          <a:p>
+            <a:fld id="{86CB4B4D-7CA3-9044-876B-883B54F8677D}" type="slidenum">
+              <a:rPr/>
+              <a:t>22</a:t>
             </a:fld>
             <a:endParaRPr dirty="0"/>
           </a:p>
@@ -5832,7 +6080,7 @@
           <a:p>
             <a:r>
               <a:rPr lang="en-US" dirty="0"/>
-              <a:t>My main goal here is to predict the likelihood that you will be prescribed opioids by a specific provider. This is important because it can tell us the type of doctor, what specialty and really reinforce the notion that opioids are way too easily prescribed in America. It’s less proving something (we know there’s an opioid crisis) and more starting to question where it came and from who. </a:t>
+              <a:t>My main goal here is to predict the likelihood that you will be prescribed opioids by a specific provider. This is important because it can tell us the type of doctor, what specialty and really reinforce the notion that opioids are way too easily prescribed in America. It’s less proving something (we know there’s an opioid crisis that leads to a lot of death) and more starting to question where it came and from who. </a:t>
             </a:r>
           </a:p>
           <a:p>
@@ -5955,7 +6203,7 @@
         </p:blipFill>
         <p:spPr>
           <a:xfrm>
-            <a:off x="-63780" y="7681806"/>
+            <a:off x="-63780" y="7916268"/>
             <a:ext cx="13004800" cy="2535768"/>
           </a:xfrm>
           <a:prstGeom prst="rect">
@@ -6337,7 +6585,7 @@
           <a:p>
             <a:r>
               <a:rPr lang="en-US" dirty="0"/>
-              <a:t>The first thing I wanted to check when I was exploring my data was which states had the most overdoses that lead to death. The states were: </a:t>
+              <a:t>The second thing I wanted to look at was the list of total drugs, and how many of that total were opioids: </a:t>
             </a:r>
           </a:p>
           <a:p>
@@ -6346,36 +6594,78 @@
           <a:p>
             <a:pPr lvl="2"/>
             <a:r>
-              <a:rPr lang="en-US" dirty="0"/>
-              <a:t>California! </a:t>
+              <a:rPr lang="en-US" sz="2000" dirty="0"/>
+              <a:t>1 TRAMADOL.HCL  - Particularly dangerous because it is not schedule 2 </a:t>
             </a:r>
           </a:p>
           <a:p>
             <a:pPr lvl="2"/>
             <a:r>
-              <a:rPr lang="en-US" dirty="0"/>
-              <a:t>Ohio</a:t>
+              <a:rPr lang="en-US" sz="2000" dirty="0"/>
+              <a:t>2 MORPHINE.SULFATE </a:t>
             </a:r>
           </a:p>
           <a:p>
             <a:pPr lvl="2"/>
             <a:r>
-              <a:rPr lang="en-US" dirty="0"/>
-              <a:t>Pennsylvania</a:t>
+              <a:rPr lang="en-US" sz="2000" dirty="0"/>
+              <a:t>3 OXYCONTIN </a:t>
             </a:r>
           </a:p>
           <a:p>
             <a:pPr lvl="2"/>
             <a:r>
-              <a:rPr lang="en-US" dirty="0"/>
-              <a:t>Florida </a:t>
+              <a:rPr lang="en-US" sz="2000" dirty="0"/>
+              <a:t>4 ACETAMINOPHEN.CODEINE </a:t>
             </a:r>
           </a:p>
           <a:p>
             <a:pPr lvl="2"/>
             <a:r>
-              <a:rPr lang="en-US" dirty="0"/>
-              <a:t>Texas </a:t>
+              <a:rPr lang="en-US" sz="2000" dirty="0"/>
+              <a:t>5 HYDROCODONE.ACETAMINOPHEN</a:t>
+            </a:r>
+          </a:p>
+          <a:p>
+            <a:pPr lvl="2"/>
+            <a:r>
+              <a:rPr lang="en-US" sz="2000" dirty="0"/>
+              <a:t> 6 MORPHINE.SULFATE.ER </a:t>
+            </a:r>
+          </a:p>
+          <a:p>
+            <a:pPr lvl="2"/>
+            <a:r>
+              <a:rPr lang="en-US" sz="2000" dirty="0"/>
+              <a:t>7 OXYCODONE.ACETAMINOPHEN </a:t>
+            </a:r>
+          </a:p>
+          <a:p>
+            <a:pPr lvl="2"/>
+            <a:r>
+              <a:rPr lang="en-US" sz="2000" dirty="0"/>
+              <a:t>8 OXYCODONE.HCL</a:t>
+            </a:r>
+          </a:p>
+          <a:p>
+            <a:pPr lvl="2"/>
+            <a:r>
+              <a:rPr lang="en-US" sz="2000" dirty="0"/>
+              <a:t> 9 FENTANYL </a:t>
+            </a:r>
+          </a:p>
+          <a:p>
+            <a:pPr lvl="2"/>
+            <a:r>
+              <a:rPr lang="en-US" sz="2000" dirty="0"/>
+              <a:t>10 HYDROMORPHONE.HCL </a:t>
+            </a:r>
+          </a:p>
+          <a:p>
+            <a:pPr lvl="2"/>
+            <a:r>
+              <a:rPr lang="en-US" sz="2000" dirty="0"/>
+              <a:t>11 METHADONE.HCL</a:t>
             </a:r>
           </a:p>
         </p:txBody>
@@ -6416,39 +6706,10 @@
           </a:p>
         </p:txBody>
       </p:sp>
-      <p:pic>
-        <p:nvPicPr>
-          <p:cNvPr id="403" name="Leaf.png"/>
-          <p:cNvPicPr>
-            <a:picLocks noGrp="1" noChangeAspect="1"/>
-          </p:cNvPicPr>
-          <p:nvPr>
-            <p:ph type="pic" idx="15"/>
-          </p:nvPr>
-        </p:nvPicPr>
-        <p:blipFill>
-          <a:blip r:embed="rId2">
-            <a:extLst/>
-          </a:blip>
-          <a:srcRect b="11259"/>
-          <a:stretch>
-            <a:fillRect/>
-          </a:stretch>
-        </p:blipFill>
-        <p:spPr>
-          <a:xfrm>
-            <a:off x="-63780" y="7631491"/>
-            <a:ext cx="13004800" cy="2535768"/>
-          </a:xfrm>
-          <a:prstGeom prst="rect">
-            <a:avLst/>
-          </a:prstGeom>
-        </p:spPr>
-      </p:pic>
     </p:spTree>
     <p:extLst>
       <p:ext uri="{BB962C8B-B14F-4D97-AF65-F5344CB8AC3E}">
-        <p14:creationId xmlns:p14="http://schemas.microsoft.com/office/powerpoint/2010/main" val="1919153612"/>
+        <p14:creationId xmlns:p14="http://schemas.microsoft.com/office/powerpoint/2010/main" val="3647843764"/>
       </p:ext>
     </p:extLst>
   </p:cSld>
@@ -6476,79 +6737,206 @@
           <a:chExt cx="0" cy="0"/>
         </a:xfrm>
       </p:grpSpPr>
-      <p:pic>
-        <p:nvPicPr>
-          <p:cNvPr id="3" name="Picture 2">
-            <a:extLst>
-              <a:ext uri="{FF2B5EF4-FFF2-40B4-BE49-F238E27FC236}">
-                <a16:creationId xmlns:a16="http://schemas.microsoft.com/office/drawing/2014/main" id="{8CC8CC7E-06F8-F745-9A04-64B3DDE5F10C}"/>
-              </a:ext>
-            </a:extLst>
-          </p:cNvPr>
-          <p:cNvPicPr>
-            <a:picLocks noChangeAspect="1"/>
-          </p:cNvPicPr>
-          <p:nvPr/>
-        </p:nvPicPr>
-        <p:blipFill>
-          <a:blip r:embed="rId2">
-            <a:extLst>
-              <a:ext uri="{28A0092B-C50C-407E-A947-70E740481C1C}">
-                <a14:useLocalDpi xmlns:a14="http://schemas.microsoft.com/office/drawing/2010/main" val="0"/>
-              </a:ext>
-            </a:extLst>
-          </a:blip>
-          <a:stretch>
-            <a:fillRect/>
-          </a:stretch>
-        </p:blipFill>
+      <p:sp>
+        <p:nvSpPr>
+          <p:cNvPr id="398" name="Shape 398"/>
+          <p:cNvSpPr>
+            <a:spLocks noGrp="1"/>
+          </p:cNvSpPr>
+          <p:nvPr>
+            <p:ph type="body" idx="13"/>
+          </p:nvPr>
+        </p:nvSpPr>
+        <p:spPr>
+          <a:prstGeom prst="rect">
+            <a:avLst/>
+          </a:prstGeom>
+        </p:spPr>
+        <p:txBody>
+          <a:bodyPr/>
+          <a:lstStyle/>
+          <a:p>
+            <a:pPr algn="ctr" defTabSz="584200">
+              <a:defRPr sz="4200" b="1" i="0">
+                <a:solidFill>
+                  <a:srgbClr val="C4DBDF"/>
+                </a:solidFill>
+                <a:latin typeface="Gill Sans"/>
+                <a:ea typeface="Gill Sans"/>
+                <a:cs typeface="Gill Sans"/>
+                <a:sym typeface="Gill Sans"/>
+              </a:defRPr>
+            </a:pPr>
+            <a:endParaRPr dirty="0"/>
+          </a:p>
+        </p:txBody>
+      </p:sp>
+      <p:sp>
+        <p:nvSpPr>
+          <p:cNvPr id="399" name="Shape 399"/>
+          <p:cNvSpPr>
+            <a:spLocks noGrp="1"/>
+          </p:cNvSpPr>
+          <p:nvPr>
+            <p:ph type="body" idx="14"/>
+          </p:nvPr>
+        </p:nvSpPr>
+        <p:spPr>
+          <a:prstGeom prst="line">
+            <a:avLst/>
+          </a:prstGeom>
+        </p:spPr>
+        <p:txBody>
+          <a:bodyPr/>
+          <a:lstStyle/>
+          <a:p>
+            <a:endParaRPr dirty="0"/>
+          </a:p>
+        </p:txBody>
+      </p:sp>
+      <p:sp>
+        <p:nvSpPr>
+          <p:cNvPr id="400" name="Shape 400"/>
+          <p:cNvSpPr>
+            <a:spLocks noGrp="1"/>
+          </p:cNvSpPr>
+          <p:nvPr>
+            <p:ph type="title"/>
+          </p:nvPr>
+        </p:nvSpPr>
         <p:spPr>
           <a:xfrm>
-            <a:off x="988259" y="1453662"/>
-            <a:ext cx="10990772" cy="5578231"/>
+            <a:off x="1422400" y="1143000"/>
+            <a:ext cx="10160000" cy="1397000"/>
           </a:xfrm>
           <a:prstGeom prst="rect">
             <a:avLst/>
           </a:prstGeom>
         </p:spPr>
-      </p:pic>
-      <p:pic>
-        <p:nvPicPr>
-          <p:cNvPr id="7" name="Picture 6">
-            <a:extLst>
-              <a:ext uri="{FF2B5EF4-FFF2-40B4-BE49-F238E27FC236}">
-                <a16:creationId xmlns:a16="http://schemas.microsoft.com/office/drawing/2014/main" id="{2270426A-5276-A943-963C-EB475C40910B}"/>
-              </a:ext>
-            </a:extLst>
-          </p:cNvPr>
-          <p:cNvPicPr>
-            <a:picLocks noChangeAspect="1"/>
-          </p:cNvPicPr>
-          <p:nvPr/>
-        </p:nvPicPr>
-        <p:blipFill>
-          <a:blip r:embed="rId3">
-            <a:extLst>
-              <a:ext uri="{28A0092B-C50C-407E-A947-70E740481C1C}">
-                <a14:useLocalDpi xmlns:a14="http://schemas.microsoft.com/office/drawing/2010/main" val="0"/>
-              </a:ext>
-            </a:extLst>
-          </a:blip>
-          <a:stretch>
-            <a:fillRect/>
-          </a:stretch>
-        </p:blipFill>
+        <p:txBody>
+          <a:bodyPr/>
+          <a:lstStyle/>
+          <a:p>
+            <a:r>
+              <a:rPr lang="en-US" dirty="0"/>
+              <a:t>Exploring the data</a:t>
+            </a:r>
+            <a:endParaRPr dirty="0"/>
+          </a:p>
+        </p:txBody>
+      </p:sp>
+      <p:sp>
+        <p:nvSpPr>
+          <p:cNvPr id="401" name="Shape 401"/>
+          <p:cNvSpPr>
+            <a:spLocks noGrp="1"/>
+          </p:cNvSpPr>
+          <p:nvPr>
+            <p:ph type="body" sz="half" idx="1"/>
+          </p:nvPr>
+        </p:nvSpPr>
         <p:spPr>
           <a:xfrm>
-            <a:off x="9715989" y="7352323"/>
-            <a:ext cx="1943100" cy="863600"/>
+            <a:off x="1422399" y="3226361"/>
+            <a:ext cx="10324123" cy="4252961"/>
           </a:xfrm>
           <a:prstGeom prst="rect">
             <a:avLst/>
           </a:prstGeom>
         </p:spPr>
-      </p:pic>
+        <p:txBody>
+          <a:bodyPr/>
+          <a:lstStyle/>
+          <a:p>
+            <a:pPr marL="0" indent="0">
+              <a:buNone/>
+            </a:pPr>
+            <a:endParaRPr lang="en-US" dirty="0"/>
+          </a:p>
+          <a:p>
+            <a:r>
+              <a:rPr lang="en-US" sz="2000" dirty="0"/>
+              <a:t>Of the 250 drugs listed in the dataset, 11 were opioids</a:t>
+            </a:r>
+          </a:p>
+          <a:p>
+            <a:endParaRPr lang="en-US" sz="2000" dirty="0"/>
+          </a:p>
+          <a:p>
+            <a:endParaRPr lang="en-US" sz="2000" dirty="0"/>
+          </a:p>
+          <a:p>
+            <a:r>
+              <a:rPr lang="en-US" sz="2000" dirty="0"/>
+              <a:t>Taking the total sum of drugs vs opioids, about 16% were opioids only. </a:t>
+            </a:r>
+          </a:p>
+          <a:p>
+            <a:endParaRPr lang="en-US" sz="2000" dirty="0"/>
+          </a:p>
+          <a:p>
+            <a:r>
+              <a:rPr lang="en-US" sz="2000" dirty="0"/>
+              <a:t>60% of the prescribers are the list were opioid prescribers (meaning A LOT of opioids were being prescribed even though they were not the most percentile of drugs in the dataset.</a:t>
+            </a:r>
+          </a:p>
+          <a:p>
+            <a:endParaRPr lang="en-US" sz="2000" dirty="0"/>
+          </a:p>
+          <a:p>
+            <a:r>
+              <a:rPr lang="en-US" sz="2000" dirty="0"/>
+              <a:t>Something else the data showed is that more prescriptions prescribed, the more opioids that were prescribed, too. Below is a breakdown by state of total opioids prescribed vs total prescriptions. </a:t>
+            </a:r>
+            <a:br>
+              <a:rPr lang="en-US" sz="2000" dirty="0"/>
+            </a:br>
+            <a:endParaRPr lang="en-US" sz="2000" dirty="0"/>
+          </a:p>
+        </p:txBody>
+      </p:sp>
+      <p:sp>
+        <p:nvSpPr>
+          <p:cNvPr id="402" name="Shape 402"/>
+          <p:cNvSpPr>
+            <a:spLocks noGrp="1"/>
+          </p:cNvSpPr>
+          <p:nvPr>
+            <p:ph type="sldNum" sz="quarter" idx="2"/>
+          </p:nvPr>
+        </p:nvSpPr>
+        <p:spPr>
+          <a:xfrm>
+            <a:off x="6438620" y="8371840"/>
+            <a:ext cx="127560" cy="241301"/>
+          </a:xfrm>
+          <a:prstGeom prst="rect">
+            <a:avLst/>
+          </a:prstGeom>
+          <a:extLst>
+            <a:ext uri="{C572A759-6A51-4108-AA02-DFA0A04FC94B}">
+              <ma14:wrappingTextBoxFlag xmlns:ma14="http://schemas.microsoft.com/office/mac/drawingml/2011/main" xmlns="" val="1"/>
+            </a:ext>
+          </a:extLst>
+        </p:spPr>
+        <p:txBody>
+          <a:bodyPr/>
+          <a:lstStyle/>
+          <a:p>
+            <a:fld id="{86CB4B4D-7CA3-9044-876B-883B54F8677D}" type="slidenum">
+              <a:rPr/>
+              <a:t>7</a:t>
+            </a:fld>
+            <a:endParaRPr dirty="0"/>
+          </a:p>
+        </p:txBody>
+      </p:sp>
     </p:spTree>
+    <p:extLst>
+      <p:ext uri="{BB962C8B-B14F-4D97-AF65-F5344CB8AC3E}">
+        <p14:creationId xmlns:p14="http://schemas.microsoft.com/office/powerpoint/2010/main" val="168467222"/>
+      </p:ext>
+    </p:extLst>
   </p:cSld>
   <p:clrMapOvr>
     <a:masterClrMapping/>
@@ -6574,250 +6962,46 @@
           <a:chExt cx="0" cy="0"/>
         </a:xfrm>
       </p:grpSpPr>
-      <p:sp>
-        <p:nvSpPr>
-          <p:cNvPr id="398" name="Shape 398"/>
-          <p:cNvSpPr>
-            <a:spLocks noGrp="1"/>
-          </p:cNvSpPr>
-          <p:nvPr>
-            <p:ph type="body" idx="13"/>
-          </p:nvPr>
-        </p:nvSpPr>
-        <p:spPr>
-          <a:prstGeom prst="rect">
-            <a:avLst/>
-          </a:prstGeom>
-        </p:spPr>
-        <p:txBody>
-          <a:bodyPr/>
-          <a:lstStyle/>
-          <a:p>
-            <a:pPr algn="ctr" defTabSz="584200">
-              <a:defRPr sz="4200" b="1" i="0">
-                <a:solidFill>
-                  <a:srgbClr val="C4DBDF"/>
-                </a:solidFill>
-                <a:latin typeface="Gill Sans"/>
-                <a:ea typeface="Gill Sans"/>
-                <a:cs typeface="Gill Sans"/>
-                <a:sym typeface="Gill Sans"/>
-              </a:defRPr>
-            </a:pPr>
-            <a:endParaRPr dirty="0"/>
-          </a:p>
-        </p:txBody>
-      </p:sp>
-      <p:sp>
-        <p:nvSpPr>
-          <p:cNvPr id="399" name="Shape 399"/>
-          <p:cNvSpPr>
-            <a:spLocks noGrp="1"/>
-          </p:cNvSpPr>
-          <p:nvPr>
-            <p:ph type="body" idx="14"/>
-          </p:nvPr>
-        </p:nvSpPr>
-        <p:spPr>
-          <a:prstGeom prst="line">
-            <a:avLst/>
-          </a:prstGeom>
-        </p:spPr>
-        <p:txBody>
-          <a:bodyPr/>
-          <a:lstStyle/>
-          <a:p>
-            <a:endParaRPr dirty="0"/>
-          </a:p>
-        </p:txBody>
-      </p:sp>
-      <p:sp>
-        <p:nvSpPr>
-          <p:cNvPr id="400" name="Shape 400"/>
-          <p:cNvSpPr>
-            <a:spLocks noGrp="1"/>
-          </p:cNvSpPr>
-          <p:nvPr>
-            <p:ph type="title"/>
-          </p:nvPr>
-        </p:nvSpPr>
+      <p:pic>
+        <p:nvPicPr>
+          <p:cNvPr id="4" name="Picture 3">
+            <a:extLst>
+              <a:ext uri="{FF2B5EF4-FFF2-40B4-BE49-F238E27FC236}">
+                <a16:creationId xmlns:a16="http://schemas.microsoft.com/office/drawing/2014/main" id="{C4A8EB6C-4AE5-4B49-893D-59B7D80BC017}"/>
+              </a:ext>
+            </a:extLst>
+          </p:cNvPr>
+          <p:cNvPicPr>
+            <a:picLocks noChangeAspect="1"/>
+          </p:cNvPicPr>
+          <p:nvPr/>
+        </p:nvPicPr>
+        <p:blipFill>
+          <a:blip r:embed="rId2">
+            <a:extLst>
+              <a:ext uri="{28A0092B-C50C-407E-A947-70E740481C1C}">
+                <a14:useLocalDpi xmlns:a14="http://schemas.microsoft.com/office/drawing/2010/main" val="0"/>
+              </a:ext>
+            </a:extLst>
+          </a:blip>
+          <a:stretch>
+            <a:fillRect/>
+          </a:stretch>
+        </p:blipFill>
         <p:spPr>
           <a:xfrm>
-            <a:off x="1422400" y="1143000"/>
-            <a:ext cx="10160000" cy="1397000"/>
+            <a:off x="490806" y="1359875"/>
+            <a:ext cx="11810610" cy="7381631"/>
           </a:xfrm>
           <a:prstGeom prst="rect">
             <a:avLst/>
           </a:prstGeom>
         </p:spPr>
-        <p:txBody>
-          <a:bodyPr/>
-          <a:lstStyle/>
-          <a:p>
-            <a:r>
-              <a:rPr lang="en-US" dirty="0"/>
-              <a:t>Exploring the data</a:t>
-            </a:r>
-            <a:endParaRPr dirty="0"/>
-          </a:p>
-        </p:txBody>
-      </p:sp>
-      <p:sp>
-        <p:nvSpPr>
-          <p:cNvPr id="401" name="Shape 401"/>
-          <p:cNvSpPr>
-            <a:spLocks noGrp="1"/>
-          </p:cNvSpPr>
-          <p:nvPr>
-            <p:ph type="body" sz="half" idx="1"/>
-          </p:nvPr>
-        </p:nvSpPr>
-        <p:spPr>
-          <a:xfrm>
-            <a:off x="1422399" y="3226361"/>
-            <a:ext cx="10324123" cy="4252961"/>
-          </a:xfrm>
-          <a:prstGeom prst="rect">
-            <a:avLst/>
-          </a:prstGeom>
-        </p:spPr>
-        <p:txBody>
-          <a:bodyPr/>
-          <a:lstStyle/>
-          <a:p>
-            <a:pPr marL="0" indent="0">
-              <a:buNone/>
-            </a:pPr>
-            <a:endParaRPr lang="en-US" dirty="0"/>
-          </a:p>
-          <a:p>
-            <a:r>
-              <a:rPr lang="en-US" dirty="0"/>
-              <a:t>The second thing I wanted to look at was the list of total drugs, and how many of that total were opioids: </a:t>
-            </a:r>
-          </a:p>
-          <a:p>
-            <a:endParaRPr lang="en-US" dirty="0"/>
-          </a:p>
-          <a:p>
-            <a:pPr lvl="2"/>
-            <a:r>
-              <a:rPr lang="en-US" sz="2000" dirty="0"/>
-              <a:t>1 TRAMADOL.HCL </a:t>
-            </a:r>
-          </a:p>
-          <a:p>
-            <a:pPr lvl="2"/>
-            <a:r>
-              <a:rPr lang="en-US" sz="2000" dirty="0"/>
-              <a:t>2 MORPHINE.SULFATE </a:t>
-            </a:r>
-          </a:p>
-          <a:p>
-            <a:pPr lvl="2"/>
-            <a:r>
-              <a:rPr lang="en-US" sz="2000" dirty="0"/>
-              <a:t>3 OXYCONTIN </a:t>
-            </a:r>
-          </a:p>
-          <a:p>
-            <a:pPr lvl="2"/>
-            <a:r>
-              <a:rPr lang="en-US" sz="2000" dirty="0"/>
-              <a:t>4 ACETAMINOPHEN.CODEINE </a:t>
-            </a:r>
-          </a:p>
-          <a:p>
-            <a:pPr lvl="2"/>
-            <a:r>
-              <a:rPr lang="en-US" sz="2000" dirty="0"/>
-              <a:t>5 HYDROCODONE.ACETAMINOPHEN</a:t>
-            </a:r>
-          </a:p>
-          <a:p>
-            <a:pPr lvl="2"/>
-            <a:r>
-              <a:rPr lang="en-US" sz="2000" dirty="0"/>
-              <a:t> 6 MORPHINE.SULFATE.ER </a:t>
-            </a:r>
-          </a:p>
-          <a:p>
-            <a:pPr lvl="2"/>
-            <a:r>
-              <a:rPr lang="en-US" sz="2000" dirty="0"/>
-              <a:t>7 OXYCODONE.ACETAMINOPHEN </a:t>
-            </a:r>
-          </a:p>
-          <a:p>
-            <a:pPr lvl="2"/>
-            <a:r>
-              <a:rPr lang="en-US" sz="2000" dirty="0"/>
-              <a:t>8 OXYCODONE.HCL</a:t>
-            </a:r>
-          </a:p>
-          <a:p>
-            <a:pPr lvl="2"/>
-            <a:r>
-              <a:rPr lang="en-US" sz="2000" dirty="0"/>
-              <a:t> 9 FENTANYL </a:t>
-            </a:r>
-          </a:p>
-          <a:p>
-            <a:pPr lvl="2"/>
-            <a:r>
-              <a:rPr lang="en-US" sz="2000" dirty="0"/>
-              <a:t>10 HYDROMORPHONE.HCL </a:t>
-            </a:r>
-          </a:p>
-          <a:p>
-            <a:pPr lvl="2"/>
-            <a:r>
-              <a:rPr lang="en-US" sz="2000" dirty="0"/>
-              <a:t>11 METHADONE.HCL</a:t>
-            </a:r>
-          </a:p>
-        </p:txBody>
-      </p:sp>
-      <p:sp>
-        <p:nvSpPr>
-          <p:cNvPr id="402" name="Shape 402"/>
-          <p:cNvSpPr>
-            <a:spLocks noGrp="1"/>
-          </p:cNvSpPr>
-          <p:nvPr>
-            <p:ph type="sldNum" sz="quarter" idx="2"/>
-          </p:nvPr>
-        </p:nvSpPr>
-        <p:spPr>
-          <a:xfrm>
-            <a:off x="6438620" y="8371840"/>
-            <a:ext cx="127560" cy="241301"/>
-          </a:xfrm>
-          <a:prstGeom prst="rect">
-            <a:avLst/>
-          </a:prstGeom>
-          <a:extLst>
-            <a:ext uri="{C572A759-6A51-4108-AA02-DFA0A04FC94B}">
-              <ma14:wrappingTextBoxFlag xmlns:ma14="http://schemas.microsoft.com/office/mac/drawingml/2011/main" xmlns="" val="1"/>
-            </a:ext>
-          </a:extLst>
-        </p:spPr>
-        <p:txBody>
-          <a:bodyPr/>
-          <a:lstStyle/>
-          <a:p>
-            <a:fld id="{86CB4B4D-7CA3-9044-876B-883B54F8677D}" type="slidenum">
-              <a:rPr/>
-              <a:t>8</a:t>
-            </a:fld>
-            <a:endParaRPr dirty="0"/>
-          </a:p>
-        </p:txBody>
-      </p:sp>
+      </p:pic>
     </p:spTree>
     <p:extLst>
       <p:ext uri="{BB962C8B-B14F-4D97-AF65-F5344CB8AC3E}">
-        <p14:creationId xmlns:p14="http://schemas.microsoft.com/office/powerpoint/2010/main" val="3647843764"/>
+        <p14:creationId xmlns:p14="http://schemas.microsoft.com/office/powerpoint/2010/main" val="124163820"/>
       </p:ext>
     </p:extLst>
   </p:cSld>
@@ -6963,40 +7147,47 @@
           </a:p>
           <a:p>
             <a:r>
-              <a:rPr lang="en-US" sz="2000" dirty="0"/>
-              <a:t>Of the 250 drugs listed in the dataset, 11 were opioids</a:t>
-            </a:r>
-          </a:p>
-          <a:p>
-            <a:endParaRPr lang="en-US" sz="2000" dirty="0"/>
-          </a:p>
-          <a:p>
-            <a:endParaRPr lang="en-US" sz="2000" dirty="0"/>
-          </a:p>
-          <a:p>
-            <a:endParaRPr lang="en-US" sz="2000" dirty="0"/>
-          </a:p>
-          <a:p>
-            <a:endParaRPr lang="en-US" sz="2000" dirty="0"/>
-          </a:p>
-          <a:p>
-            <a:r>
-              <a:rPr lang="en-US" sz="2000" dirty="0"/>
-              <a:t>60% of the prescribers are the list were opioid prescribers (meaning A LOT of opioids were being prescribed even though they were not the most percentile of drugs in the dataset.</a:t>
-            </a:r>
-          </a:p>
-          <a:p>
-            <a:endParaRPr lang="en-US" sz="2000" dirty="0"/>
-          </a:p>
-          <a:p>
-            <a:r>
-              <a:rPr lang="en-US" sz="2000" dirty="0"/>
-              <a:t>Something else the data showed is that more prescriptions prescribed, the more opioids that were prescribed, too. Below is a breakdown by state of total opioids prescribed vs total prescriptions. </a:t>
-            </a:r>
-            <a:br>
-              <a:rPr lang="en-US" sz="2000" dirty="0"/>
-            </a:br>
-            <a:endParaRPr lang="en-US" sz="2000" dirty="0"/>
+              <a:rPr lang="en-US" dirty="0"/>
+              <a:t>The first thing I wanted to check when I was exploring my data was which states had the most overdoses that lead to death. The states were: </a:t>
+            </a:r>
+          </a:p>
+          <a:p>
+            <a:endParaRPr lang="en-US" dirty="0"/>
+          </a:p>
+          <a:p>
+            <a:pPr lvl="2"/>
+            <a:r>
+              <a:rPr lang="en-US" dirty="0"/>
+              <a:t>California! </a:t>
+            </a:r>
+          </a:p>
+          <a:p>
+            <a:pPr lvl="2"/>
+            <a:r>
+              <a:rPr lang="en-US" dirty="0"/>
+              <a:t>Ohio</a:t>
+            </a:r>
+          </a:p>
+          <a:p>
+            <a:pPr lvl="2"/>
+            <a:r>
+              <a:rPr lang="en-US" dirty="0"/>
+              <a:t>Pennsylvania</a:t>
+            </a:r>
+          </a:p>
+          <a:p>
+            <a:pPr lvl="2"/>
+            <a:r>
+              <a:rPr lang="en-US" dirty="0"/>
+              <a:t>Florida </a:t>
+            </a:r>
+          </a:p>
+          <a:p>
+            <a:pPr lvl="2"/>
+            <a:r>
+              <a:rPr lang="en-US" dirty="0"/>
+              <a:t>Texas </a:t>
+            </a:r>
           </a:p>
         </p:txBody>
       </p:sp>
@@ -7036,10 +7227,39 @@
           </a:p>
         </p:txBody>
       </p:sp>
+      <p:pic>
+        <p:nvPicPr>
+          <p:cNvPr id="403" name="Leaf.png"/>
+          <p:cNvPicPr>
+            <a:picLocks noGrp="1" noChangeAspect="1"/>
+          </p:cNvPicPr>
+          <p:nvPr>
+            <p:ph type="pic" idx="15"/>
+          </p:nvPr>
+        </p:nvPicPr>
+        <p:blipFill>
+          <a:blip r:embed="rId2">
+            <a:extLst/>
+          </a:blip>
+          <a:srcRect b="11259"/>
+          <a:stretch>
+            <a:fillRect/>
+          </a:stretch>
+        </p:blipFill>
+        <p:spPr>
+          <a:xfrm>
+            <a:off x="-63780" y="7631491"/>
+            <a:ext cx="13004800" cy="2535768"/>
+          </a:xfrm>
+          <a:prstGeom prst="rect">
+            <a:avLst/>
+          </a:prstGeom>
+        </p:spPr>
+      </p:pic>
     </p:spTree>
     <p:extLst>
       <p:ext uri="{BB962C8B-B14F-4D97-AF65-F5344CB8AC3E}">
-        <p14:creationId xmlns:p14="http://schemas.microsoft.com/office/powerpoint/2010/main" val="168467222"/>
+        <p14:creationId xmlns:p14="http://schemas.microsoft.com/office/powerpoint/2010/main" val="1919153612"/>
       </p:ext>
     </p:extLst>
   </p:cSld>
